--- a/public/assets/中文履歷/簡辰曄_履歷簡報.pptx
+++ b/public/assets/中文履歷/簡辰曄_履歷簡報.pptx
@@ -3,31 +3,31 @@
 <p:presentation xmlns:a="http://schemas.openxmlformats.org/drawingml/2006/main" xmlns:r="http://schemas.openxmlformats.org/officeDocument/2006/relationships" xmlns:p="http://schemas.openxmlformats.org/presentationml/2006/main">
   <p:sldMasterIdLst>
     <p:sldMasterId id="2147483648" r:id="rId1"/>
-    <p:sldMasterId id="2147483660" r:id="rId2"/>
+    <p:sldMasterId id="2147483660" r:id="rId3"/>
   </p:sldMasterIdLst>
   <p:sldIdLst>
-    <p:sldId id="256" r:id="rId3"/>
-    <p:sldId id="257" r:id="rId4"/>
-    <p:sldId id="258" r:id="rId5"/>
-    <p:sldId id="259" r:id="rId6"/>
-    <p:sldId id="260" r:id="rId7"/>
-    <p:sldId id="265" r:id="rId8"/>
-    <p:sldId id="268" r:id="rId9"/>
-    <p:sldId id="266" r:id="rId10"/>
-    <p:sldId id="267" r:id="rId11"/>
-    <p:sldId id="269" r:id="rId12"/>
-    <p:sldId id="270" r:id="rId13"/>
-    <p:sldId id="271" r:id="rId14"/>
-    <p:sldId id="272" r:id="rId15"/>
-    <p:sldId id="261" r:id="rId16"/>
-    <p:sldId id="274" r:id="rId17"/>
-    <p:sldId id="275" r:id="rId18"/>
-    <p:sldId id="276" r:id="rId19"/>
-    <p:sldId id="277" r:id="rId20"/>
-    <p:sldId id="278" r:id="rId21"/>
-    <p:sldId id="273" r:id="rId22"/>
-    <p:sldId id="280" r:id="rId23"/>
-    <p:sldId id="263" r:id="rId24"/>
+    <p:sldId id="256" r:id="rId4"/>
+    <p:sldId id="257" r:id="rId5"/>
+    <p:sldId id="258" r:id="rId6"/>
+    <p:sldId id="259" r:id="rId7"/>
+    <p:sldId id="260" r:id="rId8"/>
+    <p:sldId id="265" r:id="rId9"/>
+    <p:sldId id="268" r:id="rId10"/>
+    <p:sldId id="266" r:id="rId11"/>
+    <p:sldId id="267" r:id="rId12"/>
+    <p:sldId id="269" r:id="rId13"/>
+    <p:sldId id="270" r:id="rId14"/>
+    <p:sldId id="271" r:id="rId15"/>
+    <p:sldId id="272" r:id="rId16"/>
+    <p:sldId id="261" r:id="rId17"/>
+    <p:sldId id="274" r:id="rId18"/>
+    <p:sldId id="275" r:id="rId19"/>
+    <p:sldId id="276" r:id="rId20"/>
+    <p:sldId id="277" r:id="rId21"/>
+    <p:sldId id="278" r:id="rId22"/>
+    <p:sldId id="273" r:id="rId23"/>
+    <p:sldId id="280" r:id="rId24"/>
+    <p:sldId id="263" r:id="rId25"/>
   </p:sldIdLst>
   <p:sldSz cx="12192000" cy="6858000"/>
   <p:notesSz cx="6858000" cy="9144000"/>
@@ -126,11 +126,6 @@
       </a:defRPr>
     </a:lvl9pPr>
   </p:defaultTextStyle>
-  <p:extLst>
-    <p:ext uri="{EFAFB233-063F-42B5-8137-9DF3F51BA10A}">
-      <p15:sldGuideLst xmlns:p15="http://schemas.microsoft.com/office/powerpoint/2012/main"/>
-    </p:ext>
-  </p:extLst>
 </p:presentation>
 </file>
 
@@ -179,6 +174,7 @@
               <a:rPr lang="zh-TW" altLang="en-US"/>
               <a:t>按一下以編輯母片標題樣式</a:t>
             </a:r>
+            <a:endParaRPr lang="zh-TW" altLang="en-US"/>
           </a:p>
         </p:txBody>
       </p:sp>
@@ -243,6 +239,7 @@
               <a:rPr lang="zh-TW" altLang="en-US"/>
               <a:t>按一下以編輯母片子標題樣式</a:t>
             </a:r>
+            <a:endParaRPr lang="zh-TW" altLang="en-US"/>
           </a:p>
         </p:txBody>
       </p:sp>
@@ -263,7 +260,6 @@
           <a:p>
             <a:fld id="{ABA64037-2207-473C-BDBD-C8E66073A0B8}" type="datetimeFigureOut">
               <a:rPr lang="zh-TW" altLang="en-US" smtClean="0"/>
-              <a:t>2025/6/4</a:t>
             </a:fld>
             <a:endParaRPr lang="zh-TW" altLang="en-US"/>
           </a:p>
@@ -305,7 +301,6 @@
           <a:p>
             <a:fld id="{5664EF84-29F1-4E21-857B-D99DD884FA6B}" type="slidenum">
               <a:rPr lang="zh-TW" altLang="en-US" smtClean="0"/>
-              <a:t>‹#›</a:t>
             </a:fld>
             <a:endParaRPr lang="zh-TW" altLang="en-US"/>
           </a:p>
@@ -355,6 +350,7 @@
               <a:rPr lang="zh-TW" altLang="en-US"/>
               <a:t>按一下以編輯母片標題樣式</a:t>
             </a:r>
+            <a:endParaRPr lang="zh-TW" altLang="en-US"/>
           </a:p>
         </p:txBody>
       </p:sp>
@@ -378,6 +374,7 @@
               <a:rPr lang="zh-TW" altLang="en-US"/>
               <a:t>按一下以編輯母片文字樣式</a:t>
             </a:r>
+            <a:endParaRPr lang="zh-TW" altLang="en-US"/>
           </a:p>
           <a:p>
             <a:pPr lvl="1"/>
@@ -385,6 +382,7 @@
               <a:rPr lang="zh-TW" altLang="en-US"/>
               <a:t>第二層</a:t>
             </a:r>
+            <a:endParaRPr lang="zh-TW" altLang="en-US"/>
           </a:p>
           <a:p>
             <a:pPr lvl="2"/>
@@ -392,6 +390,7 @@
               <a:rPr lang="zh-TW" altLang="en-US"/>
               <a:t>第三層</a:t>
             </a:r>
+            <a:endParaRPr lang="zh-TW" altLang="en-US"/>
           </a:p>
           <a:p>
             <a:pPr lvl="3"/>
@@ -399,6 +398,7 @@
               <a:rPr lang="zh-TW" altLang="en-US"/>
               <a:t>第四層</a:t>
             </a:r>
+            <a:endParaRPr lang="zh-TW" altLang="en-US"/>
           </a:p>
           <a:p>
             <a:pPr lvl="4"/>
@@ -406,6 +406,7 @@
               <a:rPr lang="zh-TW" altLang="en-US"/>
               <a:t>第五層</a:t>
             </a:r>
+            <a:endParaRPr lang="zh-TW" altLang="en-US"/>
           </a:p>
         </p:txBody>
       </p:sp>
@@ -426,7 +427,6 @@
           <a:p>
             <a:fld id="{ABA64037-2207-473C-BDBD-C8E66073A0B8}" type="datetimeFigureOut">
               <a:rPr lang="zh-TW" altLang="en-US" smtClean="0"/>
-              <a:t>2025/6/4</a:t>
             </a:fld>
             <a:endParaRPr lang="zh-TW" altLang="en-US"/>
           </a:p>
@@ -468,7 +468,6 @@
           <a:p>
             <a:fld id="{5664EF84-29F1-4E21-857B-D99DD884FA6B}" type="slidenum">
               <a:rPr lang="zh-TW" altLang="en-US" smtClean="0"/>
-              <a:t>‹#›</a:t>
             </a:fld>
             <a:endParaRPr lang="zh-TW" altLang="en-US"/>
           </a:p>
@@ -523,6 +522,7 @@
               <a:rPr lang="zh-TW" altLang="en-US"/>
               <a:t>按一下以編輯母片標題樣式</a:t>
             </a:r>
+            <a:endParaRPr lang="zh-TW" altLang="en-US"/>
           </a:p>
         </p:txBody>
       </p:sp>
@@ -551,6 +551,7 @@
               <a:rPr lang="zh-TW" altLang="en-US"/>
               <a:t>按一下以編輯母片文字樣式</a:t>
             </a:r>
+            <a:endParaRPr lang="zh-TW" altLang="en-US"/>
           </a:p>
           <a:p>
             <a:pPr lvl="1"/>
@@ -558,6 +559,7 @@
               <a:rPr lang="zh-TW" altLang="en-US"/>
               <a:t>第二層</a:t>
             </a:r>
+            <a:endParaRPr lang="zh-TW" altLang="en-US"/>
           </a:p>
           <a:p>
             <a:pPr lvl="2"/>
@@ -565,6 +567,7 @@
               <a:rPr lang="zh-TW" altLang="en-US"/>
               <a:t>第三層</a:t>
             </a:r>
+            <a:endParaRPr lang="zh-TW" altLang="en-US"/>
           </a:p>
           <a:p>
             <a:pPr lvl="3"/>
@@ -572,6 +575,7 @@
               <a:rPr lang="zh-TW" altLang="en-US"/>
               <a:t>第四層</a:t>
             </a:r>
+            <a:endParaRPr lang="zh-TW" altLang="en-US"/>
           </a:p>
           <a:p>
             <a:pPr lvl="4"/>
@@ -579,6 +583,7 @@
               <a:rPr lang="zh-TW" altLang="en-US"/>
               <a:t>第五層</a:t>
             </a:r>
+            <a:endParaRPr lang="zh-TW" altLang="en-US"/>
           </a:p>
         </p:txBody>
       </p:sp>
@@ -599,7 +604,6 @@
           <a:p>
             <a:fld id="{ABA64037-2207-473C-BDBD-C8E66073A0B8}" type="datetimeFigureOut">
               <a:rPr lang="zh-TW" altLang="en-US" smtClean="0"/>
-              <a:t>2025/6/4</a:t>
             </a:fld>
             <a:endParaRPr lang="zh-TW" altLang="en-US"/>
           </a:p>
@@ -641,7 +645,6 @@
           <a:p>
             <a:fld id="{5664EF84-29F1-4E21-857B-D99DD884FA6B}" type="slidenum">
               <a:rPr lang="zh-TW" altLang="en-US" smtClean="0"/>
-              <a:t>‹#›</a:t>
             </a:fld>
             <a:endParaRPr lang="zh-TW" altLang="en-US"/>
           </a:p>
@@ -700,6 +703,7 @@
               <a:rPr lang="zh-TW" altLang="en-US"/>
               <a:t>按一下以編輯母片標題樣式</a:t>
             </a:r>
+            <a:endParaRPr lang="zh-TW" altLang="en-US"/>
           </a:p>
         </p:txBody>
       </p:sp>
@@ -764,6 +768,7 @@
               <a:rPr lang="zh-TW" altLang="en-US"/>
               <a:t>按一下以編輯母片子標題樣式</a:t>
             </a:r>
+            <a:endParaRPr lang="zh-TW" altLang="en-US"/>
           </a:p>
         </p:txBody>
       </p:sp>
@@ -784,7 +789,6 @@
           <a:p>
             <a:fld id="{ABA64037-2207-473C-BDBD-C8E66073A0B8}" type="datetimeFigureOut">
               <a:rPr lang="zh-TW" altLang="en-US" smtClean="0"/>
-              <a:t>2025/6/4</a:t>
             </a:fld>
             <a:endParaRPr lang="zh-TW" altLang="en-US"/>
           </a:p>
@@ -826,7 +830,6 @@
           <a:p>
             <a:fld id="{5664EF84-29F1-4E21-857B-D99DD884FA6B}" type="slidenum">
               <a:rPr lang="zh-TW" altLang="en-US" smtClean="0"/>
-              <a:t>‹#›</a:t>
             </a:fld>
             <a:endParaRPr lang="zh-TW" altLang="en-US"/>
           </a:p>
@@ -876,6 +879,7 @@
               <a:rPr lang="zh-TW" altLang="en-US"/>
               <a:t>按一下以編輯母片標題樣式</a:t>
             </a:r>
+            <a:endParaRPr lang="zh-TW" altLang="en-US"/>
           </a:p>
         </p:txBody>
       </p:sp>
@@ -899,6 +903,7 @@
               <a:rPr lang="zh-TW" altLang="en-US"/>
               <a:t>按一下以編輯母片文字樣式</a:t>
             </a:r>
+            <a:endParaRPr lang="zh-TW" altLang="en-US"/>
           </a:p>
           <a:p>
             <a:pPr lvl="1"/>
@@ -906,6 +911,7 @@
               <a:rPr lang="zh-TW" altLang="en-US"/>
               <a:t>第二層</a:t>
             </a:r>
+            <a:endParaRPr lang="zh-TW" altLang="en-US"/>
           </a:p>
           <a:p>
             <a:pPr lvl="2"/>
@@ -913,6 +919,7 @@
               <a:rPr lang="zh-TW" altLang="en-US"/>
               <a:t>第三層</a:t>
             </a:r>
+            <a:endParaRPr lang="zh-TW" altLang="en-US"/>
           </a:p>
           <a:p>
             <a:pPr lvl="3"/>
@@ -920,6 +927,7 @@
               <a:rPr lang="zh-TW" altLang="en-US"/>
               <a:t>第四層</a:t>
             </a:r>
+            <a:endParaRPr lang="zh-TW" altLang="en-US"/>
           </a:p>
           <a:p>
             <a:pPr lvl="4"/>
@@ -927,6 +935,7 @@
               <a:rPr lang="zh-TW" altLang="en-US"/>
               <a:t>第五層</a:t>
             </a:r>
+            <a:endParaRPr lang="zh-TW" altLang="en-US"/>
           </a:p>
         </p:txBody>
       </p:sp>
@@ -947,7 +956,6 @@
           <a:p>
             <a:fld id="{ABA64037-2207-473C-BDBD-C8E66073A0B8}" type="datetimeFigureOut">
               <a:rPr lang="zh-TW" altLang="en-US" smtClean="0"/>
-              <a:t>2025/6/4</a:t>
             </a:fld>
             <a:endParaRPr lang="zh-TW" altLang="en-US"/>
           </a:p>
@@ -989,7 +997,6 @@
           <a:p>
             <a:fld id="{5664EF84-29F1-4E21-857B-D99DD884FA6B}" type="slidenum">
               <a:rPr lang="zh-TW" altLang="en-US" smtClean="0"/>
-              <a:t>‹#›</a:t>
             </a:fld>
             <a:endParaRPr lang="zh-TW" altLang="en-US"/>
           </a:p>
@@ -1048,6 +1055,7 @@
               <a:rPr lang="zh-TW" altLang="en-US"/>
               <a:t>按一下以編輯母片標題樣式</a:t>
             </a:r>
+            <a:endParaRPr lang="zh-TW" altLang="en-US"/>
           </a:p>
         </p:txBody>
       </p:sp>
@@ -1167,6 +1175,7 @@
               <a:rPr lang="zh-TW" altLang="en-US"/>
               <a:t>按一下以編輯母片文字樣式</a:t>
             </a:r>
+            <a:endParaRPr lang="zh-TW" altLang="en-US"/>
           </a:p>
         </p:txBody>
       </p:sp>
@@ -1187,7 +1196,6 @@
           <a:p>
             <a:fld id="{ABA64037-2207-473C-BDBD-C8E66073A0B8}" type="datetimeFigureOut">
               <a:rPr lang="zh-TW" altLang="en-US" smtClean="0"/>
-              <a:t>2025/6/4</a:t>
             </a:fld>
             <a:endParaRPr lang="zh-TW" altLang="en-US"/>
           </a:p>
@@ -1229,7 +1237,6 @@
           <a:p>
             <a:fld id="{5664EF84-29F1-4E21-857B-D99DD884FA6B}" type="slidenum">
               <a:rPr lang="zh-TW" altLang="en-US" smtClean="0"/>
-              <a:t>‹#›</a:t>
             </a:fld>
             <a:endParaRPr lang="zh-TW" altLang="en-US"/>
           </a:p>
@@ -1279,6 +1286,7 @@
               <a:rPr lang="zh-TW" altLang="en-US"/>
               <a:t>按一下以編輯母片標題樣式</a:t>
             </a:r>
+            <a:endParaRPr lang="zh-TW" altLang="en-US"/>
           </a:p>
         </p:txBody>
       </p:sp>
@@ -1307,6 +1315,7 @@
               <a:rPr lang="zh-TW" altLang="en-US"/>
               <a:t>按一下以編輯母片文字樣式</a:t>
             </a:r>
+            <a:endParaRPr lang="zh-TW" altLang="en-US"/>
           </a:p>
           <a:p>
             <a:pPr lvl="1"/>
@@ -1314,6 +1323,7 @@
               <a:rPr lang="zh-TW" altLang="en-US"/>
               <a:t>第二層</a:t>
             </a:r>
+            <a:endParaRPr lang="zh-TW" altLang="en-US"/>
           </a:p>
           <a:p>
             <a:pPr lvl="2"/>
@@ -1321,6 +1331,7 @@
               <a:rPr lang="zh-TW" altLang="en-US"/>
               <a:t>第三層</a:t>
             </a:r>
+            <a:endParaRPr lang="zh-TW" altLang="en-US"/>
           </a:p>
           <a:p>
             <a:pPr lvl="3"/>
@@ -1328,6 +1339,7 @@
               <a:rPr lang="zh-TW" altLang="en-US"/>
               <a:t>第四層</a:t>
             </a:r>
+            <a:endParaRPr lang="zh-TW" altLang="en-US"/>
           </a:p>
           <a:p>
             <a:pPr lvl="4"/>
@@ -1335,6 +1347,7 @@
               <a:rPr lang="zh-TW" altLang="en-US"/>
               <a:t>第五層</a:t>
             </a:r>
+            <a:endParaRPr lang="zh-TW" altLang="en-US"/>
           </a:p>
         </p:txBody>
       </p:sp>
@@ -1363,6 +1376,7 @@
               <a:rPr lang="zh-TW" altLang="en-US"/>
               <a:t>按一下以編輯母片文字樣式</a:t>
             </a:r>
+            <a:endParaRPr lang="zh-TW" altLang="en-US"/>
           </a:p>
           <a:p>
             <a:pPr lvl="1"/>
@@ -1370,6 +1384,7 @@
               <a:rPr lang="zh-TW" altLang="en-US"/>
               <a:t>第二層</a:t>
             </a:r>
+            <a:endParaRPr lang="zh-TW" altLang="en-US"/>
           </a:p>
           <a:p>
             <a:pPr lvl="2"/>
@@ -1377,6 +1392,7 @@
               <a:rPr lang="zh-TW" altLang="en-US"/>
               <a:t>第三層</a:t>
             </a:r>
+            <a:endParaRPr lang="zh-TW" altLang="en-US"/>
           </a:p>
           <a:p>
             <a:pPr lvl="3"/>
@@ -1384,6 +1400,7 @@
               <a:rPr lang="zh-TW" altLang="en-US"/>
               <a:t>第四層</a:t>
             </a:r>
+            <a:endParaRPr lang="zh-TW" altLang="en-US"/>
           </a:p>
           <a:p>
             <a:pPr lvl="4"/>
@@ -1391,6 +1408,7 @@
               <a:rPr lang="zh-TW" altLang="en-US"/>
               <a:t>第五層</a:t>
             </a:r>
+            <a:endParaRPr lang="zh-TW" altLang="en-US"/>
           </a:p>
         </p:txBody>
       </p:sp>
@@ -1411,7 +1429,6 @@
           <a:p>
             <a:fld id="{ABA64037-2207-473C-BDBD-C8E66073A0B8}" type="datetimeFigureOut">
               <a:rPr lang="zh-TW" altLang="en-US" smtClean="0"/>
-              <a:t>2025/6/4</a:t>
             </a:fld>
             <a:endParaRPr lang="zh-TW" altLang="en-US"/>
           </a:p>
@@ -1453,7 +1470,6 @@
           <a:p>
             <a:fld id="{5664EF84-29F1-4E21-857B-D99DD884FA6B}" type="slidenum">
               <a:rPr lang="zh-TW" altLang="en-US" smtClean="0"/>
-              <a:t>‹#›</a:t>
             </a:fld>
             <a:endParaRPr lang="zh-TW" altLang="en-US"/>
           </a:p>
@@ -1508,6 +1524,7 @@
               <a:rPr lang="zh-TW" altLang="en-US"/>
               <a:t>按一下以編輯母片標題樣式</a:t>
             </a:r>
+            <a:endParaRPr lang="zh-TW" altLang="en-US"/>
           </a:p>
         </p:txBody>
       </p:sp>
@@ -1573,6 +1590,7 @@
               <a:rPr lang="zh-TW" altLang="en-US"/>
               <a:t>按一下以編輯母片文字樣式</a:t>
             </a:r>
+            <a:endParaRPr lang="zh-TW" altLang="en-US"/>
           </a:p>
         </p:txBody>
       </p:sp>
@@ -1601,6 +1619,7 @@
               <a:rPr lang="zh-TW" altLang="en-US"/>
               <a:t>按一下以編輯母片文字樣式</a:t>
             </a:r>
+            <a:endParaRPr lang="zh-TW" altLang="en-US"/>
           </a:p>
           <a:p>
             <a:pPr lvl="1"/>
@@ -1608,6 +1627,7 @@
               <a:rPr lang="zh-TW" altLang="en-US"/>
               <a:t>第二層</a:t>
             </a:r>
+            <a:endParaRPr lang="zh-TW" altLang="en-US"/>
           </a:p>
           <a:p>
             <a:pPr lvl="2"/>
@@ -1615,6 +1635,7 @@
               <a:rPr lang="zh-TW" altLang="en-US"/>
               <a:t>第三層</a:t>
             </a:r>
+            <a:endParaRPr lang="zh-TW" altLang="en-US"/>
           </a:p>
           <a:p>
             <a:pPr lvl="3"/>
@@ -1622,6 +1643,7 @@
               <a:rPr lang="zh-TW" altLang="en-US"/>
               <a:t>第四層</a:t>
             </a:r>
+            <a:endParaRPr lang="zh-TW" altLang="en-US"/>
           </a:p>
           <a:p>
             <a:pPr lvl="4"/>
@@ -1629,6 +1651,7 @@
               <a:rPr lang="zh-TW" altLang="en-US"/>
               <a:t>第五層</a:t>
             </a:r>
+            <a:endParaRPr lang="zh-TW" altLang="en-US"/>
           </a:p>
         </p:txBody>
       </p:sp>
@@ -1694,6 +1717,7 @@
               <a:rPr lang="zh-TW" altLang="en-US"/>
               <a:t>按一下以編輯母片文字樣式</a:t>
             </a:r>
+            <a:endParaRPr lang="zh-TW" altLang="en-US"/>
           </a:p>
         </p:txBody>
       </p:sp>
@@ -1722,6 +1746,7 @@
               <a:rPr lang="zh-TW" altLang="en-US"/>
               <a:t>按一下以編輯母片文字樣式</a:t>
             </a:r>
+            <a:endParaRPr lang="zh-TW" altLang="en-US"/>
           </a:p>
           <a:p>
             <a:pPr lvl="1"/>
@@ -1729,6 +1754,7 @@
               <a:rPr lang="zh-TW" altLang="en-US"/>
               <a:t>第二層</a:t>
             </a:r>
+            <a:endParaRPr lang="zh-TW" altLang="en-US"/>
           </a:p>
           <a:p>
             <a:pPr lvl="2"/>
@@ -1736,6 +1762,7 @@
               <a:rPr lang="zh-TW" altLang="en-US"/>
               <a:t>第三層</a:t>
             </a:r>
+            <a:endParaRPr lang="zh-TW" altLang="en-US"/>
           </a:p>
           <a:p>
             <a:pPr lvl="3"/>
@@ -1743,6 +1770,7 @@
               <a:rPr lang="zh-TW" altLang="en-US"/>
               <a:t>第四層</a:t>
             </a:r>
+            <a:endParaRPr lang="zh-TW" altLang="en-US"/>
           </a:p>
           <a:p>
             <a:pPr lvl="4"/>
@@ -1750,6 +1778,7 @@
               <a:rPr lang="zh-TW" altLang="en-US"/>
               <a:t>第五層</a:t>
             </a:r>
+            <a:endParaRPr lang="zh-TW" altLang="en-US"/>
           </a:p>
         </p:txBody>
       </p:sp>
@@ -1770,7 +1799,6 @@
           <a:p>
             <a:fld id="{ABA64037-2207-473C-BDBD-C8E66073A0B8}" type="datetimeFigureOut">
               <a:rPr lang="zh-TW" altLang="en-US" smtClean="0"/>
-              <a:t>2025/6/4</a:t>
             </a:fld>
             <a:endParaRPr lang="zh-TW" altLang="en-US"/>
           </a:p>
@@ -1812,7 +1840,6 @@
           <a:p>
             <a:fld id="{5664EF84-29F1-4E21-857B-D99DD884FA6B}" type="slidenum">
               <a:rPr lang="zh-TW" altLang="en-US" smtClean="0"/>
-              <a:t>‹#›</a:t>
             </a:fld>
             <a:endParaRPr lang="zh-TW" altLang="en-US"/>
           </a:p>
@@ -1862,6 +1889,7 @@
               <a:rPr lang="zh-TW" altLang="en-US"/>
               <a:t>按一下以編輯母片標題樣式</a:t>
             </a:r>
+            <a:endParaRPr lang="zh-TW" altLang="en-US"/>
           </a:p>
         </p:txBody>
       </p:sp>
@@ -1882,7 +1910,6 @@
           <a:p>
             <a:fld id="{ABA64037-2207-473C-BDBD-C8E66073A0B8}" type="datetimeFigureOut">
               <a:rPr lang="zh-TW" altLang="en-US" smtClean="0"/>
-              <a:t>2025/6/4</a:t>
             </a:fld>
             <a:endParaRPr lang="zh-TW" altLang="en-US"/>
           </a:p>
@@ -1924,7 +1951,6 @@
           <a:p>
             <a:fld id="{5664EF84-29F1-4E21-857B-D99DD884FA6B}" type="slidenum">
               <a:rPr lang="zh-TW" altLang="en-US" smtClean="0"/>
-              <a:t>‹#›</a:t>
             </a:fld>
             <a:endParaRPr lang="zh-TW" altLang="en-US"/>
           </a:p>
@@ -1972,7 +1998,6 @@
           <a:p>
             <a:fld id="{ABA64037-2207-473C-BDBD-C8E66073A0B8}" type="datetimeFigureOut">
               <a:rPr lang="zh-TW" altLang="en-US" smtClean="0"/>
-              <a:t>2025/6/4</a:t>
             </a:fld>
             <a:endParaRPr lang="zh-TW" altLang="en-US"/>
           </a:p>
@@ -2014,7 +2039,6 @@
           <a:p>
             <a:fld id="{5664EF84-29F1-4E21-857B-D99DD884FA6B}" type="slidenum">
               <a:rPr lang="zh-TW" altLang="en-US" smtClean="0"/>
-              <a:t>‹#›</a:t>
             </a:fld>
             <a:endParaRPr lang="zh-TW" altLang="en-US"/>
           </a:p>
@@ -2073,6 +2097,7 @@
               <a:rPr lang="zh-TW" altLang="en-US"/>
               <a:t>按一下以編輯母片標題樣式</a:t>
             </a:r>
+            <a:endParaRPr lang="zh-TW" altLang="en-US"/>
           </a:p>
         </p:txBody>
       </p:sp>
@@ -2129,6 +2154,7 @@
               <a:rPr lang="zh-TW" altLang="en-US"/>
               <a:t>按一下以編輯母片文字樣式</a:t>
             </a:r>
+            <a:endParaRPr lang="zh-TW" altLang="en-US"/>
           </a:p>
           <a:p>
             <a:pPr lvl="1"/>
@@ -2136,6 +2162,7 @@
               <a:rPr lang="zh-TW" altLang="en-US"/>
               <a:t>第二層</a:t>
             </a:r>
+            <a:endParaRPr lang="zh-TW" altLang="en-US"/>
           </a:p>
           <a:p>
             <a:pPr lvl="2"/>
@@ -2143,6 +2170,7 @@
               <a:rPr lang="zh-TW" altLang="en-US"/>
               <a:t>第三層</a:t>
             </a:r>
+            <a:endParaRPr lang="zh-TW" altLang="en-US"/>
           </a:p>
           <a:p>
             <a:pPr lvl="3"/>
@@ -2150,6 +2178,7 @@
               <a:rPr lang="zh-TW" altLang="en-US"/>
               <a:t>第四層</a:t>
             </a:r>
+            <a:endParaRPr lang="zh-TW" altLang="en-US"/>
           </a:p>
           <a:p>
             <a:pPr lvl="4"/>
@@ -2157,6 +2186,7 @@
               <a:rPr lang="zh-TW" altLang="en-US"/>
               <a:t>第五層</a:t>
             </a:r>
+            <a:endParaRPr lang="zh-TW" altLang="en-US"/>
           </a:p>
         </p:txBody>
       </p:sp>
@@ -2222,6 +2252,7 @@
               <a:rPr lang="zh-TW" altLang="en-US"/>
               <a:t>按一下以編輯母片文字樣式</a:t>
             </a:r>
+            <a:endParaRPr lang="zh-TW" altLang="en-US"/>
           </a:p>
         </p:txBody>
       </p:sp>
@@ -2242,7 +2273,6 @@
           <a:p>
             <a:fld id="{ABA64037-2207-473C-BDBD-C8E66073A0B8}" type="datetimeFigureOut">
               <a:rPr lang="zh-TW" altLang="en-US" smtClean="0"/>
-              <a:t>2025/6/4</a:t>
             </a:fld>
             <a:endParaRPr lang="zh-TW" altLang="en-US"/>
           </a:p>
@@ -2284,7 +2314,6 @@
           <a:p>
             <a:fld id="{5664EF84-29F1-4E21-857B-D99DD884FA6B}" type="slidenum">
               <a:rPr lang="zh-TW" altLang="en-US" smtClean="0"/>
-              <a:t>‹#›</a:t>
             </a:fld>
             <a:endParaRPr lang="zh-TW" altLang="en-US"/>
           </a:p>
@@ -2334,6 +2363,7 @@
               <a:rPr lang="zh-TW" altLang="en-US"/>
               <a:t>按一下以編輯母片標題樣式</a:t>
             </a:r>
+            <a:endParaRPr lang="zh-TW" altLang="en-US"/>
           </a:p>
         </p:txBody>
       </p:sp>
@@ -2357,6 +2387,7 @@
               <a:rPr lang="zh-TW" altLang="en-US"/>
               <a:t>按一下以編輯母片文字樣式</a:t>
             </a:r>
+            <a:endParaRPr lang="zh-TW" altLang="en-US"/>
           </a:p>
           <a:p>
             <a:pPr lvl="1"/>
@@ -2364,6 +2395,7 @@
               <a:rPr lang="zh-TW" altLang="en-US"/>
               <a:t>第二層</a:t>
             </a:r>
+            <a:endParaRPr lang="zh-TW" altLang="en-US"/>
           </a:p>
           <a:p>
             <a:pPr lvl="2"/>
@@ -2371,6 +2403,7 @@
               <a:rPr lang="zh-TW" altLang="en-US"/>
               <a:t>第三層</a:t>
             </a:r>
+            <a:endParaRPr lang="zh-TW" altLang="en-US"/>
           </a:p>
           <a:p>
             <a:pPr lvl="3"/>
@@ -2378,6 +2411,7 @@
               <a:rPr lang="zh-TW" altLang="en-US"/>
               <a:t>第四層</a:t>
             </a:r>
+            <a:endParaRPr lang="zh-TW" altLang="en-US"/>
           </a:p>
           <a:p>
             <a:pPr lvl="4"/>
@@ -2385,6 +2419,7 @@
               <a:rPr lang="zh-TW" altLang="en-US"/>
               <a:t>第五層</a:t>
             </a:r>
+            <a:endParaRPr lang="zh-TW" altLang="en-US"/>
           </a:p>
         </p:txBody>
       </p:sp>
@@ -2405,7 +2440,6 @@
           <a:p>
             <a:fld id="{ABA64037-2207-473C-BDBD-C8E66073A0B8}" type="datetimeFigureOut">
               <a:rPr lang="zh-TW" altLang="en-US" smtClean="0"/>
-              <a:t>2025/6/4</a:t>
             </a:fld>
             <a:endParaRPr lang="zh-TW" altLang="en-US"/>
           </a:p>
@@ -2447,7 +2481,6 @@
           <a:p>
             <a:fld id="{5664EF84-29F1-4E21-857B-D99DD884FA6B}" type="slidenum">
               <a:rPr lang="zh-TW" altLang="en-US" smtClean="0"/>
-              <a:t>‹#›</a:t>
             </a:fld>
             <a:endParaRPr lang="zh-TW" altLang="en-US"/>
           </a:p>
@@ -2506,6 +2539,7 @@
               <a:rPr lang="zh-TW" altLang="en-US"/>
               <a:t>按一下以編輯母片標題樣式</a:t>
             </a:r>
+            <a:endParaRPr lang="zh-TW" altLang="en-US"/>
           </a:p>
         </p:txBody>
       </p:sp>
@@ -2632,6 +2666,7 @@
               <a:rPr lang="zh-TW" altLang="en-US"/>
               <a:t>按一下以編輯母片文字樣式</a:t>
             </a:r>
+            <a:endParaRPr lang="zh-TW" altLang="en-US"/>
           </a:p>
         </p:txBody>
       </p:sp>
@@ -2652,7 +2687,6 @@
           <a:p>
             <a:fld id="{ABA64037-2207-473C-BDBD-C8E66073A0B8}" type="datetimeFigureOut">
               <a:rPr lang="zh-TW" altLang="en-US" smtClean="0"/>
-              <a:t>2025/6/4</a:t>
             </a:fld>
             <a:endParaRPr lang="zh-TW" altLang="en-US"/>
           </a:p>
@@ -2694,7 +2728,6 @@
           <a:p>
             <a:fld id="{5664EF84-29F1-4E21-857B-D99DD884FA6B}" type="slidenum">
               <a:rPr lang="zh-TW" altLang="en-US" smtClean="0"/>
-              <a:t>‹#›</a:t>
             </a:fld>
             <a:endParaRPr lang="zh-TW" altLang="en-US"/>
           </a:p>
@@ -2744,6 +2777,7 @@
               <a:rPr lang="zh-TW" altLang="en-US"/>
               <a:t>按一下以編輯母片標題樣式</a:t>
             </a:r>
+            <a:endParaRPr lang="zh-TW" altLang="en-US"/>
           </a:p>
         </p:txBody>
       </p:sp>
@@ -2767,6 +2801,7 @@
               <a:rPr lang="zh-TW" altLang="en-US"/>
               <a:t>按一下以編輯母片文字樣式</a:t>
             </a:r>
+            <a:endParaRPr lang="zh-TW" altLang="en-US"/>
           </a:p>
           <a:p>
             <a:pPr lvl="1"/>
@@ -2774,6 +2809,7 @@
               <a:rPr lang="zh-TW" altLang="en-US"/>
               <a:t>第二層</a:t>
             </a:r>
+            <a:endParaRPr lang="zh-TW" altLang="en-US"/>
           </a:p>
           <a:p>
             <a:pPr lvl="2"/>
@@ -2781,6 +2817,7 @@
               <a:rPr lang="zh-TW" altLang="en-US"/>
               <a:t>第三層</a:t>
             </a:r>
+            <a:endParaRPr lang="zh-TW" altLang="en-US"/>
           </a:p>
           <a:p>
             <a:pPr lvl="3"/>
@@ -2788,6 +2825,7 @@
               <a:rPr lang="zh-TW" altLang="en-US"/>
               <a:t>第四層</a:t>
             </a:r>
+            <a:endParaRPr lang="zh-TW" altLang="en-US"/>
           </a:p>
           <a:p>
             <a:pPr lvl="4"/>
@@ -2795,6 +2833,7 @@
               <a:rPr lang="zh-TW" altLang="en-US"/>
               <a:t>第五層</a:t>
             </a:r>
+            <a:endParaRPr lang="zh-TW" altLang="en-US"/>
           </a:p>
         </p:txBody>
       </p:sp>
@@ -2815,7 +2854,6 @@
           <a:p>
             <a:fld id="{ABA64037-2207-473C-BDBD-C8E66073A0B8}" type="datetimeFigureOut">
               <a:rPr lang="zh-TW" altLang="en-US" smtClean="0"/>
-              <a:t>2025/6/4</a:t>
             </a:fld>
             <a:endParaRPr lang="zh-TW" altLang="en-US"/>
           </a:p>
@@ -2857,7 +2895,6 @@
           <a:p>
             <a:fld id="{5664EF84-29F1-4E21-857B-D99DD884FA6B}" type="slidenum">
               <a:rPr lang="zh-TW" altLang="en-US" smtClean="0"/>
-              <a:t>‹#›</a:t>
             </a:fld>
             <a:endParaRPr lang="zh-TW" altLang="en-US"/>
           </a:p>
@@ -2912,6 +2949,7 @@
               <a:rPr lang="zh-TW" altLang="en-US"/>
               <a:t>按一下以編輯母片標題樣式</a:t>
             </a:r>
+            <a:endParaRPr lang="zh-TW" altLang="en-US"/>
           </a:p>
         </p:txBody>
       </p:sp>
@@ -2940,6 +2978,7 @@
               <a:rPr lang="zh-TW" altLang="en-US"/>
               <a:t>按一下以編輯母片文字樣式</a:t>
             </a:r>
+            <a:endParaRPr lang="zh-TW" altLang="en-US"/>
           </a:p>
           <a:p>
             <a:pPr lvl="1"/>
@@ -2947,6 +2986,7 @@
               <a:rPr lang="zh-TW" altLang="en-US"/>
               <a:t>第二層</a:t>
             </a:r>
+            <a:endParaRPr lang="zh-TW" altLang="en-US"/>
           </a:p>
           <a:p>
             <a:pPr lvl="2"/>
@@ -2954,6 +2994,7 @@
               <a:rPr lang="zh-TW" altLang="en-US"/>
               <a:t>第三層</a:t>
             </a:r>
+            <a:endParaRPr lang="zh-TW" altLang="en-US"/>
           </a:p>
           <a:p>
             <a:pPr lvl="3"/>
@@ -2961,6 +3002,7 @@
               <a:rPr lang="zh-TW" altLang="en-US"/>
               <a:t>第四層</a:t>
             </a:r>
+            <a:endParaRPr lang="zh-TW" altLang="en-US"/>
           </a:p>
           <a:p>
             <a:pPr lvl="4"/>
@@ -2968,6 +3010,7 @@
               <a:rPr lang="zh-TW" altLang="en-US"/>
               <a:t>第五層</a:t>
             </a:r>
+            <a:endParaRPr lang="zh-TW" altLang="en-US"/>
           </a:p>
         </p:txBody>
       </p:sp>
@@ -2988,7 +3031,6 @@
           <a:p>
             <a:fld id="{ABA64037-2207-473C-BDBD-C8E66073A0B8}" type="datetimeFigureOut">
               <a:rPr lang="zh-TW" altLang="en-US" smtClean="0"/>
-              <a:t>2025/6/4</a:t>
             </a:fld>
             <a:endParaRPr lang="zh-TW" altLang="en-US"/>
           </a:p>
@@ -3030,7 +3072,6 @@
           <a:p>
             <a:fld id="{5664EF84-29F1-4E21-857B-D99DD884FA6B}" type="slidenum">
               <a:rPr lang="zh-TW" altLang="en-US" smtClean="0"/>
-              <a:t>‹#›</a:t>
             </a:fld>
             <a:endParaRPr lang="zh-TW" altLang="en-US"/>
           </a:p>
@@ -3089,6 +3130,7 @@
               <a:rPr lang="zh-TW" altLang="en-US"/>
               <a:t>按一下以編輯母片標題樣式</a:t>
             </a:r>
+            <a:endParaRPr lang="zh-TW" altLang="en-US"/>
           </a:p>
         </p:txBody>
       </p:sp>
@@ -3208,6 +3250,7 @@
               <a:rPr lang="zh-TW" altLang="en-US"/>
               <a:t>按一下以編輯母片文字樣式</a:t>
             </a:r>
+            <a:endParaRPr lang="zh-TW" altLang="en-US"/>
           </a:p>
         </p:txBody>
       </p:sp>
@@ -3228,7 +3271,6 @@
           <a:p>
             <a:fld id="{ABA64037-2207-473C-BDBD-C8E66073A0B8}" type="datetimeFigureOut">
               <a:rPr lang="zh-TW" altLang="en-US" smtClean="0"/>
-              <a:t>2025/6/4</a:t>
             </a:fld>
             <a:endParaRPr lang="zh-TW" altLang="en-US"/>
           </a:p>
@@ -3270,7 +3312,6 @@
           <a:p>
             <a:fld id="{5664EF84-29F1-4E21-857B-D99DD884FA6B}" type="slidenum">
               <a:rPr lang="zh-TW" altLang="en-US" smtClean="0"/>
-              <a:t>‹#›</a:t>
             </a:fld>
             <a:endParaRPr lang="zh-TW" altLang="en-US"/>
           </a:p>
@@ -3320,6 +3361,7 @@
               <a:rPr lang="zh-TW" altLang="en-US"/>
               <a:t>按一下以編輯母片標題樣式</a:t>
             </a:r>
+            <a:endParaRPr lang="zh-TW" altLang="en-US"/>
           </a:p>
         </p:txBody>
       </p:sp>
@@ -3348,6 +3390,7 @@
               <a:rPr lang="zh-TW" altLang="en-US"/>
               <a:t>按一下以編輯母片文字樣式</a:t>
             </a:r>
+            <a:endParaRPr lang="zh-TW" altLang="en-US"/>
           </a:p>
           <a:p>
             <a:pPr lvl="1"/>
@@ -3355,6 +3398,7 @@
               <a:rPr lang="zh-TW" altLang="en-US"/>
               <a:t>第二層</a:t>
             </a:r>
+            <a:endParaRPr lang="zh-TW" altLang="en-US"/>
           </a:p>
           <a:p>
             <a:pPr lvl="2"/>
@@ -3362,6 +3406,7 @@
               <a:rPr lang="zh-TW" altLang="en-US"/>
               <a:t>第三層</a:t>
             </a:r>
+            <a:endParaRPr lang="zh-TW" altLang="en-US"/>
           </a:p>
           <a:p>
             <a:pPr lvl="3"/>
@@ -3369,6 +3414,7 @@
               <a:rPr lang="zh-TW" altLang="en-US"/>
               <a:t>第四層</a:t>
             </a:r>
+            <a:endParaRPr lang="zh-TW" altLang="en-US"/>
           </a:p>
           <a:p>
             <a:pPr lvl="4"/>
@@ -3376,6 +3422,7 @@
               <a:rPr lang="zh-TW" altLang="en-US"/>
               <a:t>第五層</a:t>
             </a:r>
+            <a:endParaRPr lang="zh-TW" altLang="en-US"/>
           </a:p>
         </p:txBody>
       </p:sp>
@@ -3404,6 +3451,7 @@
               <a:rPr lang="zh-TW" altLang="en-US"/>
               <a:t>按一下以編輯母片文字樣式</a:t>
             </a:r>
+            <a:endParaRPr lang="zh-TW" altLang="en-US"/>
           </a:p>
           <a:p>
             <a:pPr lvl="1"/>
@@ -3411,6 +3459,7 @@
               <a:rPr lang="zh-TW" altLang="en-US"/>
               <a:t>第二層</a:t>
             </a:r>
+            <a:endParaRPr lang="zh-TW" altLang="en-US"/>
           </a:p>
           <a:p>
             <a:pPr lvl="2"/>
@@ -3418,6 +3467,7 @@
               <a:rPr lang="zh-TW" altLang="en-US"/>
               <a:t>第三層</a:t>
             </a:r>
+            <a:endParaRPr lang="zh-TW" altLang="en-US"/>
           </a:p>
           <a:p>
             <a:pPr lvl="3"/>
@@ -3425,6 +3475,7 @@
               <a:rPr lang="zh-TW" altLang="en-US"/>
               <a:t>第四層</a:t>
             </a:r>
+            <a:endParaRPr lang="zh-TW" altLang="en-US"/>
           </a:p>
           <a:p>
             <a:pPr lvl="4"/>
@@ -3432,6 +3483,7 @@
               <a:rPr lang="zh-TW" altLang="en-US"/>
               <a:t>第五層</a:t>
             </a:r>
+            <a:endParaRPr lang="zh-TW" altLang="en-US"/>
           </a:p>
         </p:txBody>
       </p:sp>
@@ -3452,7 +3504,6 @@
           <a:p>
             <a:fld id="{ABA64037-2207-473C-BDBD-C8E66073A0B8}" type="datetimeFigureOut">
               <a:rPr lang="zh-TW" altLang="en-US" smtClean="0"/>
-              <a:t>2025/6/4</a:t>
             </a:fld>
             <a:endParaRPr lang="zh-TW" altLang="en-US"/>
           </a:p>
@@ -3494,7 +3545,6 @@
           <a:p>
             <a:fld id="{5664EF84-29F1-4E21-857B-D99DD884FA6B}" type="slidenum">
               <a:rPr lang="zh-TW" altLang="en-US" smtClean="0"/>
-              <a:t>‹#›</a:t>
             </a:fld>
             <a:endParaRPr lang="zh-TW" altLang="en-US"/>
           </a:p>
@@ -3549,6 +3599,7 @@
               <a:rPr lang="zh-TW" altLang="en-US"/>
               <a:t>按一下以編輯母片標題樣式</a:t>
             </a:r>
+            <a:endParaRPr lang="zh-TW" altLang="en-US"/>
           </a:p>
         </p:txBody>
       </p:sp>
@@ -3614,6 +3665,7 @@
               <a:rPr lang="zh-TW" altLang="en-US"/>
               <a:t>按一下以編輯母片文字樣式</a:t>
             </a:r>
+            <a:endParaRPr lang="zh-TW" altLang="en-US"/>
           </a:p>
         </p:txBody>
       </p:sp>
@@ -3642,6 +3694,7 @@
               <a:rPr lang="zh-TW" altLang="en-US"/>
               <a:t>按一下以編輯母片文字樣式</a:t>
             </a:r>
+            <a:endParaRPr lang="zh-TW" altLang="en-US"/>
           </a:p>
           <a:p>
             <a:pPr lvl="1"/>
@@ -3649,6 +3702,7 @@
               <a:rPr lang="zh-TW" altLang="en-US"/>
               <a:t>第二層</a:t>
             </a:r>
+            <a:endParaRPr lang="zh-TW" altLang="en-US"/>
           </a:p>
           <a:p>
             <a:pPr lvl="2"/>
@@ -3656,6 +3710,7 @@
               <a:rPr lang="zh-TW" altLang="en-US"/>
               <a:t>第三層</a:t>
             </a:r>
+            <a:endParaRPr lang="zh-TW" altLang="en-US"/>
           </a:p>
           <a:p>
             <a:pPr lvl="3"/>
@@ -3663,6 +3718,7 @@
               <a:rPr lang="zh-TW" altLang="en-US"/>
               <a:t>第四層</a:t>
             </a:r>
+            <a:endParaRPr lang="zh-TW" altLang="en-US"/>
           </a:p>
           <a:p>
             <a:pPr lvl="4"/>
@@ -3670,6 +3726,7 @@
               <a:rPr lang="zh-TW" altLang="en-US"/>
               <a:t>第五層</a:t>
             </a:r>
+            <a:endParaRPr lang="zh-TW" altLang="en-US"/>
           </a:p>
         </p:txBody>
       </p:sp>
@@ -3735,6 +3792,7 @@
               <a:rPr lang="zh-TW" altLang="en-US"/>
               <a:t>按一下以編輯母片文字樣式</a:t>
             </a:r>
+            <a:endParaRPr lang="zh-TW" altLang="en-US"/>
           </a:p>
         </p:txBody>
       </p:sp>
@@ -3763,6 +3821,7 @@
               <a:rPr lang="zh-TW" altLang="en-US"/>
               <a:t>按一下以編輯母片文字樣式</a:t>
             </a:r>
+            <a:endParaRPr lang="zh-TW" altLang="en-US"/>
           </a:p>
           <a:p>
             <a:pPr lvl="1"/>
@@ -3770,6 +3829,7 @@
               <a:rPr lang="zh-TW" altLang="en-US"/>
               <a:t>第二層</a:t>
             </a:r>
+            <a:endParaRPr lang="zh-TW" altLang="en-US"/>
           </a:p>
           <a:p>
             <a:pPr lvl="2"/>
@@ -3777,6 +3837,7 @@
               <a:rPr lang="zh-TW" altLang="en-US"/>
               <a:t>第三層</a:t>
             </a:r>
+            <a:endParaRPr lang="zh-TW" altLang="en-US"/>
           </a:p>
           <a:p>
             <a:pPr lvl="3"/>
@@ -3784,6 +3845,7 @@
               <a:rPr lang="zh-TW" altLang="en-US"/>
               <a:t>第四層</a:t>
             </a:r>
+            <a:endParaRPr lang="zh-TW" altLang="en-US"/>
           </a:p>
           <a:p>
             <a:pPr lvl="4"/>
@@ -3791,6 +3853,7 @@
               <a:rPr lang="zh-TW" altLang="en-US"/>
               <a:t>第五層</a:t>
             </a:r>
+            <a:endParaRPr lang="zh-TW" altLang="en-US"/>
           </a:p>
         </p:txBody>
       </p:sp>
@@ -3811,7 +3874,6 @@
           <a:p>
             <a:fld id="{ABA64037-2207-473C-BDBD-C8E66073A0B8}" type="datetimeFigureOut">
               <a:rPr lang="zh-TW" altLang="en-US" smtClean="0"/>
-              <a:t>2025/6/4</a:t>
             </a:fld>
             <a:endParaRPr lang="zh-TW" altLang="en-US"/>
           </a:p>
@@ -3853,7 +3915,6 @@
           <a:p>
             <a:fld id="{5664EF84-29F1-4E21-857B-D99DD884FA6B}" type="slidenum">
               <a:rPr lang="zh-TW" altLang="en-US" smtClean="0"/>
-              <a:t>‹#›</a:t>
             </a:fld>
             <a:endParaRPr lang="zh-TW" altLang="en-US"/>
           </a:p>
@@ -3903,6 +3964,7 @@
               <a:rPr lang="zh-TW" altLang="en-US"/>
               <a:t>按一下以編輯母片標題樣式</a:t>
             </a:r>
+            <a:endParaRPr lang="zh-TW" altLang="en-US"/>
           </a:p>
         </p:txBody>
       </p:sp>
@@ -3923,7 +3985,6 @@
           <a:p>
             <a:fld id="{ABA64037-2207-473C-BDBD-C8E66073A0B8}" type="datetimeFigureOut">
               <a:rPr lang="zh-TW" altLang="en-US" smtClean="0"/>
-              <a:t>2025/6/4</a:t>
             </a:fld>
             <a:endParaRPr lang="zh-TW" altLang="en-US"/>
           </a:p>
@@ -3965,7 +4026,6 @@
           <a:p>
             <a:fld id="{5664EF84-29F1-4E21-857B-D99DD884FA6B}" type="slidenum">
               <a:rPr lang="zh-TW" altLang="en-US" smtClean="0"/>
-              <a:t>‹#›</a:t>
             </a:fld>
             <a:endParaRPr lang="zh-TW" altLang="en-US"/>
           </a:p>
@@ -4013,7 +4073,6 @@
           <a:p>
             <a:fld id="{ABA64037-2207-473C-BDBD-C8E66073A0B8}" type="datetimeFigureOut">
               <a:rPr lang="zh-TW" altLang="en-US" smtClean="0"/>
-              <a:t>2025/6/4</a:t>
             </a:fld>
             <a:endParaRPr lang="zh-TW" altLang="en-US"/>
           </a:p>
@@ -4055,7 +4114,6 @@
           <a:p>
             <a:fld id="{5664EF84-29F1-4E21-857B-D99DD884FA6B}" type="slidenum">
               <a:rPr lang="zh-TW" altLang="en-US" smtClean="0"/>
-              <a:t>‹#›</a:t>
             </a:fld>
             <a:endParaRPr lang="zh-TW" altLang="en-US"/>
           </a:p>
@@ -4114,6 +4172,7 @@
               <a:rPr lang="zh-TW" altLang="en-US"/>
               <a:t>按一下以編輯母片標題樣式</a:t>
             </a:r>
+            <a:endParaRPr lang="zh-TW" altLang="en-US"/>
           </a:p>
         </p:txBody>
       </p:sp>
@@ -4170,6 +4229,7 @@
               <a:rPr lang="zh-TW" altLang="en-US"/>
               <a:t>按一下以編輯母片文字樣式</a:t>
             </a:r>
+            <a:endParaRPr lang="zh-TW" altLang="en-US"/>
           </a:p>
           <a:p>
             <a:pPr lvl="1"/>
@@ -4177,6 +4237,7 @@
               <a:rPr lang="zh-TW" altLang="en-US"/>
               <a:t>第二層</a:t>
             </a:r>
+            <a:endParaRPr lang="zh-TW" altLang="en-US"/>
           </a:p>
           <a:p>
             <a:pPr lvl="2"/>
@@ -4184,6 +4245,7 @@
               <a:rPr lang="zh-TW" altLang="en-US"/>
               <a:t>第三層</a:t>
             </a:r>
+            <a:endParaRPr lang="zh-TW" altLang="en-US"/>
           </a:p>
           <a:p>
             <a:pPr lvl="3"/>
@@ -4191,6 +4253,7 @@
               <a:rPr lang="zh-TW" altLang="en-US"/>
               <a:t>第四層</a:t>
             </a:r>
+            <a:endParaRPr lang="zh-TW" altLang="en-US"/>
           </a:p>
           <a:p>
             <a:pPr lvl="4"/>
@@ -4198,6 +4261,7 @@
               <a:rPr lang="zh-TW" altLang="en-US"/>
               <a:t>第五層</a:t>
             </a:r>
+            <a:endParaRPr lang="zh-TW" altLang="en-US"/>
           </a:p>
         </p:txBody>
       </p:sp>
@@ -4263,6 +4327,7 @@
               <a:rPr lang="zh-TW" altLang="en-US"/>
               <a:t>按一下以編輯母片文字樣式</a:t>
             </a:r>
+            <a:endParaRPr lang="zh-TW" altLang="en-US"/>
           </a:p>
         </p:txBody>
       </p:sp>
@@ -4283,7 +4348,6 @@
           <a:p>
             <a:fld id="{ABA64037-2207-473C-BDBD-C8E66073A0B8}" type="datetimeFigureOut">
               <a:rPr lang="zh-TW" altLang="en-US" smtClean="0"/>
-              <a:t>2025/6/4</a:t>
             </a:fld>
             <a:endParaRPr lang="zh-TW" altLang="en-US"/>
           </a:p>
@@ -4325,7 +4389,6 @@
           <a:p>
             <a:fld id="{5664EF84-29F1-4E21-857B-D99DD884FA6B}" type="slidenum">
               <a:rPr lang="zh-TW" altLang="en-US" smtClean="0"/>
-              <a:t>‹#›</a:t>
             </a:fld>
             <a:endParaRPr lang="zh-TW" altLang="en-US"/>
           </a:p>
@@ -4384,6 +4447,7 @@
               <a:rPr lang="zh-TW" altLang="en-US"/>
               <a:t>按一下以編輯母片標題樣式</a:t>
             </a:r>
+            <a:endParaRPr lang="zh-TW" altLang="en-US"/>
           </a:p>
         </p:txBody>
       </p:sp>
@@ -4510,6 +4574,7 @@
               <a:rPr lang="zh-TW" altLang="en-US"/>
               <a:t>按一下以編輯母片文字樣式</a:t>
             </a:r>
+            <a:endParaRPr lang="zh-TW" altLang="en-US"/>
           </a:p>
         </p:txBody>
       </p:sp>
@@ -4530,7 +4595,6 @@
           <a:p>
             <a:fld id="{ABA64037-2207-473C-BDBD-C8E66073A0B8}" type="datetimeFigureOut">
               <a:rPr lang="zh-TW" altLang="en-US" smtClean="0"/>
-              <a:t>2025/6/4</a:t>
             </a:fld>
             <a:endParaRPr lang="zh-TW" altLang="en-US"/>
           </a:p>
@@ -4572,7 +4636,6 @@
           <a:p>
             <a:fld id="{5664EF84-29F1-4E21-857B-D99DD884FA6B}" type="slidenum">
               <a:rPr lang="zh-TW" altLang="en-US" smtClean="0"/>
-              <a:t>‹#›</a:t>
             </a:fld>
             <a:endParaRPr lang="zh-TW" altLang="en-US"/>
           </a:p>
@@ -4591,13 +4654,11 @@
   <p:cSld>
     <p:bg>
       <p:bgPr>
-        <a:blipFill dpi="0" rotWithShape="1">
-          <a:blip r:embed="rId13">
-            <a:lum/>
-          </a:blip>
+        <a:blipFill dpi="0" rotWithShape="0">
+          <a:blip r:embed="rId12"/>
           <a:srcRect/>
           <a:stretch>
-            <a:fillRect l="-27000" r="-27000"/>
+            <a:fillRect l="-19000" r="-26000"/>
           </a:stretch>
         </a:blipFill>
         <a:effectLst/>
@@ -4646,6 +4707,7 @@
               <a:rPr lang="zh-TW" altLang="en-US"/>
               <a:t>按一下以編輯母片標題樣式</a:t>
             </a:r>
+            <a:endParaRPr lang="zh-TW" altLang="en-US"/>
           </a:p>
         </p:txBody>
       </p:sp>
@@ -4679,6 +4741,7 @@
               <a:rPr lang="zh-TW" altLang="en-US"/>
               <a:t>按一下以編輯母片文字樣式</a:t>
             </a:r>
+            <a:endParaRPr lang="zh-TW" altLang="en-US"/>
           </a:p>
           <a:p>
             <a:pPr lvl="1"/>
@@ -4686,6 +4749,7 @@
               <a:rPr lang="zh-TW" altLang="en-US"/>
               <a:t>第二層</a:t>
             </a:r>
+            <a:endParaRPr lang="zh-TW" altLang="en-US"/>
           </a:p>
           <a:p>
             <a:pPr lvl="2"/>
@@ -4693,6 +4757,7 @@
               <a:rPr lang="zh-TW" altLang="en-US"/>
               <a:t>第三層</a:t>
             </a:r>
+            <a:endParaRPr lang="zh-TW" altLang="en-US"/>
           </a:p>
           <a:p>
             <a:pPr lvl="3"/>
@@ -4700,6 +4765,7 @@
               <a:rPr lang="zh-TW" altLang="en-US"/>
               <a:t>第四層</a:t>
             </a:r>
+            <a:endParaRPr lang="zh-TW" altLang="en-US"/>
           </a:p>
           <a:p>
             <a:pPr lvl="4"/>
@@ -4707,6 +4773,7 @@
               <a:rPr lang="zh-TW" altLang="en-US"/>
               <a:t>第五層</a:t>
             </a:r>
+            <a:endParaRPr lang="zh-TW" altLang="en-US"/>
           </a:p>
         </p:txBody>
       </p:sp>
@@ -4745,7 +4812,6 @@
           <a:p>
             <a:fld id="{ABA64037-2207-473C-BDBD-C8E66073A0B8}" type="datetimeFigureOut">
               <a:rPr lang="zh-TW" altLang="en-US" smtClean="0"/>
-              <a:t>2025/6/4</a:t>
             </a:fld>
             <a:endParaRPr lang="zh-TW" altLang="en-US"/>
           </a:p>
@@ -4823,7 +4889,6 @@
           <a:p>
             <a:fld id="{5664EF84-29F1-4E21-857B-D99DD884FA6B}" type="slidenum">
               <a:rPr lang="zh-TW" altLang="en-US" smtClean="0"/>
-              <a:t>‹#›</a:t>
             </a:fld>
             <a:endParaRPr lang="zh-TW" altLang="en-US"/>
           </a:p>
@@ -5133,13 +5198,11 @@
   <p:cSld>
     <p:bg>
       <p:bgPr>
-        <a:blipFill dpi="0" rotWithShape="1">
-          <a:blip r:embed="rId13">
-            <a:lum/>
-          </a:blip>
+        <a:blipFill dpi="0" rotWithShape="0">
+          <a:blip r:embed="rId12"/>
           <a:srcRect/>
           <a:stretch>
-            <a:fillRect l="-27000" r="-27000"/>
+            <a:fillRect l="-19000" r="-26000"/>
           </a:stretch>
         </a:blipFill>
         <a:effectLst/>
@@ -5188,6 +5251,7 @@
               <a:rPr lang="zh-TW" altLang="en-US"/>
               <a:t>按一下以編輯母片標題樣式</a:t>
             </a:r>
+            <a:endParaRPr lang="zh-TW" altLang="en-US"/>
           </a:p>
         </p:txBody>
       </p:sp>
@@ -5221,6 +5285,7 @@
               <a:rPr lang="zh-TW" altLang="en-US"/>
               <a:t>按一下以編輯母片文字樣式</a:t>
             </a:r>
+            <a:endParaRPr lang="zh-TW" altLang="en-US"/>
           </a:p>
           <a:p>
             <a:pPr lvl="1"/>
@@ -5228,6 +5293,7 @@
               <a:rPr lang="zh-TW" altLang="en-US"/>
               <a:t>第二層</a:t>
             </a:r>
+            <a:endParaRPr lang="zh-TW" altLang="en-US"/>
           </a:p>
           <a:p>
             <a:pPr lvl="2"/>
@@ -5235,6 +5301,7 @@
               <a:rPr lang="zh-TW" altLang="en-US"/>
               <a:t>第三層</a:t>
             </a:r>
+            <a:endParaRPr lang="zh-TW" altLang="en-US"/>
           </a:p>
           <a:p>
             <a:pPr lvl="3"/>
@@ -5242,6 +5309,7 @@
               <a:rPr lang="zh-TW" altLang="en-US"/>
               <a:t>第四層</a:t>
             </a:r>
+            <a:endParaRPr lang="zh-TW" altLang="en-US"/>
           </a:p>
           <a:p>
             <a:pPr lvl="4"/>
@@ -5249,6 +5317,7 @@
               <a:rPr lang="zh-TW" altLang="en-US"/>
               <a:t>第五層</a:t>
             </a:r>
+            <a:endParaRPr lang="zh-TW" altLang="en-US"/>
           </a:p>
         </p:txBody>
       </p:sp>
@@ -5287,7 +5356,6 @@
           <a:p>
             <a:fld id="{ABA64037-2207-473C-BDBD-C8E66073A0B8}" type="datetimeFigureOut">
               <a:rPr lang="zh-TW" altLang="en-US" smtClean="0"/>
-              <a:t>2025/6/4</a:t>
             </a:fld>
             <a:endParaRPr lang="zh-TW" altLang="en-US"/>
           </a:p>
@@ -5365,7 +5433,6 @@
           <a:p>
             <a:fld id="{5664EF84-29F1-4E21-857B-D99DD884FA6B}" type="slidenum">
               <a:rPr lang="zh-TW" altLang="en-US" smtClean="0"/>
-              <a:t>‹#›</a:t>
             </a:fld>
             <a:endParaRPr lang="zh-TW" altLang="en-US"/>
           </a:p>
@@ -5714,6 +5781,10 @@
               </a:rPr>
               <a:t>履歷簡報</a:t>
             </a:r>
+            <a:endParaRPr lang="zh-TW" altLang="en-US" dirty="0">
+              <a:latin typeface="標楷體" panose="03000509000000000000" pitchFamily="65" charset="-120"/>
+              <a:ea typeface="標楷體" panose="03000509000000000000" pitchFamily="65" charset="-120"/>
+            </a:endParaRPr>
           </a:p>
         </p:txBody>
       </p:sp>
@@ -5761,6 +5832,11 @@
               </a:rPr>
               <a:t>簡辰曄</a:t>
             </a:r>
+            <a:endParaRPr lang="zh-TW" altLang="en-US" dirty="0">
+              <a:latin typeface="標楷體" panose="03000509000000000000" pitchFamily="65" charset="-120"/>
+              <a:ea typeface="標楷體" panose="03000509000000000000" pitchFamily="65" charset="-120"/>
+              <a:cs typeface="Calibri" panose="020F0502020204030204" pitchFamily="34" charset="0"/>
+            </a:endParaRPr>
           </a:p>
         </p:txBody>
       </p:sp>
@@ -5867,7 +5943,7 @@
           <p:nvPr/>
         </p:nvPicPr>
         <p:blipFill>
-          <a:blip r:embed="rId2"/>
+          <a:blip r:embed="rId1"/>
           <a:stretch>
             <a:fillRect/>
           </a:stretch>
@@ -5985,7 +6061,7 @@
           <p:nvPr/>
         </p:nvPicPr>
         <p:blipFill>
-          <a:blip r:embed="rId2"/>
+          <a:blip r:embed="rId1"/>
           <a:stretch>
             <a:fillRect/>
           </a:stretch>
@@ -6103,7 +6179,7 @@
           <p:nvPr/>
         </p:nvPicPr>
         <p:blipFill>
-          <a:blip r:embed="rId2"/>
+          <a:blip r:embed="rId1"/>
           <a:stretch>
             <a:fillRect/>
           </a:stretch>
@@ -6254,6 +6330,11 @@
               </a:rPr>
               <a:t>  </a:t>
             </a:r>
+            <a:endParaRPr lang="zh-TW" altLang="en-US" sz="1895" dirty="0">
+              <a:latin typeface="Calibri" panose="020F0502020204030204" pitchFamily="34" charset="0"/>
+              <a:ea typeface="標楷體" panose="03000509000000000000" pitchFamily="65" charset="-120"/>
+              <a:cs typeface="Calibri" panose="020F0502020204030204" pitchFamily="34" charset="0"/>
+            </a:endParaRPr>
           </a:p>
           <a:p>
             <a:pPr marL="0" indent="0">
@@ -6299,6 +6380,11 @@
               </a:rPr>
               <a:t>TypeScript</a:t>
             </a:r>
+            <a:endParaRPr lang="en-US" altLang="zh-TW" sz="1895" dirty="0">
+              <a:latin typeface="Calibri" panose="020F0502020204030204" pitchFamily="34" charset="0"/>
+              <a:ea typeface="標楷體" panose="03000509000000000000" pitchFamily="65" charset="-120"/>
+              <a:cs typeface="Calibri" panose="020F0502020204030204" pitchFamily="34" charset="0"/>
+            </a:endParaRPr>
           </a:p>
           <a:p>
             <a:pPr marL="0" indent="0">
@@ -6344,6 +6430,11 @@
               </a:rPr>
               <a:t>5</a:t>
             </a:r>
+            <a:endParaRPr lang="en-US" altLang="zh-TW" sz="1895" dirty="0">
+              <a:latin typeface="Calibri" panose="020F0502020204030204" pitchFamily="34" charset="0"/>
+              <a:ea typeface="標楷體" panose="03000509000000000000" pitchFamily="65" charset="-120"/>
+              <a:cs typeface="Calibri" panose="020F0502020204030204" pitchFamily="34" charset="0"/>
+            </a:endParaRPr>
           </a:p>
           <a:p>
             <a:pPr marL="0" indent="0">
@@ -6357,6 +6448,11 @@
               </a:rPr>
               <a:t>3. Customized Gantt Chart</a:t>
             </a:r>
+            <a:endParaRPr lang="en-US" altLang="zh-TW" sz="1895" dirty="0">
+              <a:latin typeface="Calibri" panose="020F0502020204030204" pitchFamily="34" charset="0"/>
+              <a:ea typeface="標楷體" panose="03000509000000000000" pitchFamily="65" charset="-120"/>
+              <a:cs typeface="Calibri" panose="020F0502020204030204" pitchFamily="34" charset="0"/>
+            </a:endParaRPr>
           </a:p>
           <a:p>
             <a:pPr marL="0" indent="0">
@@ -6386,6 +6482,11 @@
               </a:rPr>
               <a:t>)</a:t>
             </a:r>
+            <a:endParaRPr lang="en-US" altLang="zh-TW" sz="1895" dirty="0">
+              <a:latin typeface="Calibri" panose="020F0502020204030204" pitchFamily="34" charset="0"/>
+              <a:ea typeface="標楷體" panose="03000509000000000000" pitchFamily="65" charset="-120"/>
+              <a:cs typeface="Calibri" panose="020F0502020204030204" pitchFamily="34" charset="0"/>
+            </a:endParaRPr>
           </a:p>
           <a:p>
             <a:pPr marL="0" indent="0">
@@ -6431,6 +6532,11 @@
               </a:rPr>
               <a:t>)</a:t>
             </a:r>
+            <a:endParaRPr lang="en-US" altLang="zh-TW" sz="1895" dirty="0">
+              <a:latin typeface="Calibri" panose="020F0502020204030204" pitchFamily="34" charset="0"/>
+              <a:ea typeface="標楷體" panose="03000509000000000000" pitchFamily="65" charset="-120"/>
+              <a:cs typeface="Calibri" panose="020F0502020204030204" pitchFamily="34" charset="0"/>
+            </a:endParaRPr>
           </a:p>
           <a:p>
             <a:endParaRPr lang="en-US" altLang="zh-TW" sz="1800" dirty="0">
@@ -6686,6 +6792,11 @@
               </a:rPr>
               <a:t>圖表。 </a:t>
             </a:r>
+            <a:endParaRPr lang="zh-TW" altLang="en-US" sz="1800" dirty="0">
+              <a:latin typeface="Calibri" panose="020F0502020204030204" pitchFamily="34" charset="0"/>
+              <a:ea typeface="標楷體" panose="03000509000000000000" pitchFamily="65" charset="-120"/>
+              <a:cs typeface="Calibri" panose="020F0502020204030204" pitchFamily="34" charset="0"/>
+            </a:endParaRPr>
           </a:p>
           <a:p>
             <a:r>
@@ -6916,6 +7027,11 @@
               </a:rPr>
               <a:t>(SCSS, BEM)</a:t>
             </a:r>
+            <a:endParaRPr lang="en-US" altLang="zh-TW" sz="1800" dirty="0">
+              <a:latin typeface="Calibri" panose="020F0502020204030204" pitchFamily="34" charset="0"/>
+              <a:ea typeface="標楷體" panose="03000509000000000000" pitchFamily="65" charset="-120"/>
+              <a:cs typeface="Calibri" panose="020F0502020204030204" pitchFamily="34" charset="0"/>
+            </a:endParaRPr>
           </a:p>
           <a:p>
             <a:r>
@@ -6958,6 +7074,11 @@
               </a:rPr>
               <a:t>, MariaDB</a:t>
             </a:r>
+            <a:endParaRPr lang="en-US" altLang="zh-TW" sz="1800" dirty="0">
+              <a:latin typeface="Calibri" panose="020F0502020204030204" pitchFamily="34" charset="0"/>
+              <a:ea typeface="標楷體" panose="03000509000000000000" pitchFamily="65" charset="-120"/>
+              <a:cs typeface="Calibri" panose="020F0502020204030204" pitchFamily="34" charset="0"/>
+            </a:endParaRPr>
           </a:p>
           <a:p>
             <a:r>
@@ -6992,6 +7113,11 @@
               </a:rPr>
               <a:t>Webpack 5</a:t>
             </a:r>
+            <a:endParaRPr lang="en-US" altLang="zh-TW" sz="1800" dirty="0">
+              <a:latin typeface="Calibri" panose="020F0502020204030204" pitchFamily="34" charset="0"/>
+              <a:ea typeface="標楷體" panose="03000509000000000000" pitchFamily="65" charset="-120"/>
+              <a:cs typeface="Calibri" panose="020F0502020204030204" pitchFamily="34" charset="0"/>
+            </a:endParaRPr>
           </a:p>
           <a:p>
             <a:r>
@@ -7026,6 +7152,11 @@
               </a:rPr>
               <a:t>NGINX</a:t>
             </a:r>
+            <a:endParaRPr lang="en-US" altLang="zh-TW" sz="1800" dirty="0">
+              <a:latin typeface="Calibri" panose="020F0502020204030204" pitchFamily="34" charset="0"/>
+              <a:ea typeface="標楷體" panose="03000509000000000000" pitchFamily="65" charset="-120"/>
+              <a:cs typeface="Calibri" panose="020F0502020204030204" pitchFamily="34" charset="0"/>
+            </a:endParaRPr>
           </a:p>
           <a:p>
             <a:r>
@@ -7060,6 +7191,11 @@
               </a:rPr>
               <a:t>NodeJS (Express)</a:t>
             </a:r>
+            <a:endParaRPr lang="en-US" altLang="zh-TW" sz="1800" dirty="0">
+              <a:latin typeface="Calibri" panose="020F0502020204030204" pitchFamily="34" charset="0"/>
+              <a:ea typeface="標楷體" panose="03000509000000000000" pitchFamily="65" charset="-120"/>
+              <a:cs typeface="Calibri" panose="020F0502020204030204" pitchFamily="34" charset="0"/>
+            </a:endParaRPr>
           </a:p>
           <a:p>
             <a:r>
@@ -7094,6 +7230,11 @@
               </a:rPr>
               <a:t>Jest, Cypress</a:t>
             </a:r>
+            <a:endParaRPr lang="en-US" altLang="zh-TW" sz="1800" dirty="0">
+              <a:latin typeface="Calibri" panose="020F0502020204030204" pitchFamily="34" charset="0"/>
+              <a:ea typeface="標楷體" panose="03000509000000000000" pitchFamily="65" charset="-120"/>
+              <a:cs typeface="Calibri" panose="020F0502020204030204" pitchFamily="34" charset="0"/>
+            </a:endParaRPr>
           </a:p>
           <a:p>
             <a:endParaRPr lang="zh-TW" altLang="en-US" sz="1800" dirty="0"/>
@@ -7153,6 +7294,10 @@
               </a:rPr>
               <a:t>Home Page</a:t>
             </a:r>
+            <a:endParaRPr lang="en-US" dirty="0">
+              <a:latin typeface="Calibri" panose="020F0502020204030204" pitchFamily="34" charset="0"/>
+              <a:cs typeface="Calibri" panose="020F0502020204030204" pitchFamily="34" charset="0"/>
+            </a:endParaRPr>
           </a:p>
         </p:txBody>
       </p:sp>
@@ -7197,7 +7342,7 @@
           <p:nvPr/>
         </p:nvPicPr>
         <p:blipFill>
-          <a:blip r:embed="rId2"/>
+          <a:blip r:embed="rId1"/>
           <a:stretch>
             <a:fillRect/>
           </a:stretch>
@@ -7221,7 +7366,7 @@
           <p:nvPr/>
         </p:nvPicPr>
         <p:blipFill>
-          <a:blip r:embed="rId3"/>
+          <a:blip r:embed="rId2"/>
           <a:stretch>
             <a:fillRect/>
           </a:stretch>
@@ -7339,7 +7484,7 @@
           <p:nvPr/>
         </p:nvPicPr>
         <p:blipFill>
-          <a:blip r:embed="rId2"/>
+          <a:blip r:embed="rId1"/>
           <a:stretch>
             <a:fillRect/>
           </a:stretch>
@@ -7363,7 +7508,7 @@
           <p:nvPr/>
         </p:nvPicPr>
         <p:blipFill>
-          <a:blip r:embed="rId3"/>
+          <a:blip r:embed="rId2"/>
           <a:stretch>
             <a:fillRect/>
           </a:stretch>
@@ -7481,7 +7626,7 @@
           <p:nvPr/>
         </p:nvPicPr>
         <p:blipFill>
-          <a:blip r:embed="rId2"/>
+          <a:blip r:embed="rId1"/>
           <a:stretch>
             <a:fillRect/>
           </a:stretch>
@@ -7505,7 +7650,7 @@
           <p:nvPr/>
         </p:nvPicPr>
         <p:blipFill>
-          <a:blip r:embed="rId3"/>
+          <a:blip r:embed="rId2"/>
           <a:stretch>
             <a:fillRect/>
           </a:stretch>
@@ -7623,7 +7768,7 @@
           <p:nvPr/>
         </p:nvPicPr>
         <p:blipFill>
-          <a:blip r:embed="rId2"/>
+          <a:blip r:embed="rId1"/>
           <a:stretch>
             <a:fillRect/>
           </a:stretch>
@@ -7647,7 +7792,7 @@
           <p:nvPr/>
         </p:nvPicPr>
         <p:blipFill>
-          <a:blip r:embed="rId3"/>
+          <a:blip r:embed="rId2"/>
           <a:stretch>
             <a:fillRect/>
           </a:stretch>
@@ -7765,7 +7910,7 @@
           <p:nvPr/>
         </p:nvPicPr>
         <p:blipFill>
-          <a:blip r:embed="rId2"/>
+          <a:blip r:embed="rId1"/>
           <a:stretch>
             <a:fillRect/>
           </a:stretch>
@@ -7789,7 +7934,7 @@
           <p:nvPr/>
         </p:nvPicPr>
         <p:blipFill>
-          <a:blip r:embed="rId3"/>
+          <a:blip r:embed="rId2"/>
           <a:stretch>
             <a:fillRect/>
           </a:stretch>
@@ -7869,6 +8014,11 @@
               </a:rPr>
               <a:t>經歷</a:t>
             </a:r>
+            <a:endParaRPr lang="zh-TW" altLang="en-US" dirty="0">
+              <a:latin typeface="標楷體" panose="03000509000000000000" pitchFamily="65" charset="-120"/>
+              <a:ea typeface="標楷體" panose="03000509000000000000" pitchFamily="65" charset="-120"/>
+              <a:cs typeface="Calibri" panose="020F0502020204030204" pitchFamily="34" charset="0"/>
+            </a:endParaRPr>
           </a:p>
         </p:txBody>
       </p:sp>
@@ -7940,102 +8090,6 @@
                 <a:cs typeface="Calibri" panose="020F0502020204030204" pitchFamily="34" charset="0"/>
               </a:rPr>
               <a:t>2011/09  ~  2016/06</a:t>
-            </a:r>
-          </a:p>
-          <a:p>
-            <a:pPr algn="just"/>
-            <a:r>
-              <a:rPr lang="zh-TW" altLang="zh-TW" sz="1800" kern="100" dirty="0">
-                <a:effectLst/>
-                <a:latin typeface="Calibri" panose="020F0502020204030204" pitchFamily="34" charset="0"/>
-                <a:ea typeface="標楷體" panose="03000509000000000000" pitchFamily="65" charset="-120"/>
-                <a:cs typeface="Calibri" panose="020F0502020204030204" pitchFamily="34" charset="0"/>
-              </a:rPr>
-              <a:t>國立臺灣海洋大學 電機工程學系 學士畢業</a:t>
-            </a:r>
-            <a:r>
-              <a:rPr lang="en-US" altLang="zh-TW" sz="1800" kern="100" dirty="0">
-                <a:effectLst/>
-                <a:latin typeface="Calibri" panose="020F0502020204030204" pitchFamily="34" charset="0"/>
-                <a:ea typeface="標楷體" panose="03000509000000000000" pitchFamily="65" charset="-120"/>
-                <a:cs typeface="Calibri" panose="020F0502020204030204" pitchFamily="34" charset="0"/>
-              </a:rPr>
-              <a:t>			 		</a:t>
-            </a:r>
-            <a:r>
-              <a:rPr lang="zh-TW" altLang="en-US" sz="1800" kern="100" dirty="0">
-                <a:effectLst/>
-                <a:latin typeface="Calibri" panose="020F0502020204030204" pitchFamily="34" charset="0"/>
-                <a:ea typeface="標楷體" panose="03000509000000000000" pitchFamily="65" charset="-120"/>
-                <a:cs typeface="Calibri" panose="020F0502020204030204" pitchFamily="34" charset="0"/>
-              </a:rPr>
-              <a:t>   </a:t>
-            </a:r>
-            <a:r>
-              <a:rPr lang="en-US" altLang="zh-TW" sz="1800" kern="100" dirty="0">
-                <a:effectLst/>
-                <a:latin typeface="Calibri" panose="020F0502020204030204" pitchFamily="34" charset="0"/>
-                <a:ea typeface="標楷體" panose="03000509000000000000" pitchFamily="65" charset="-120"/>
-                <a:cs typeface="Calibri" panose="020F0502020204030204" pitchFamily="34" charset="0"/>
-              </a:rPr>
-              <a:t>2011/09  ~  2017/06</a:t>
-            </a:r>
-          </a:p>
-          <a:p>
-            <a:pPr algn="just"/>
-            <a:r>
-              <a:rPr lang="zh-TW" altLang="zh-TW" sz="1800" dirty="0">
-                <a:effectLst/>
-                <a:latin typeface="Calibri" panose="020F0502020204030204" pitchFamily="34" charset="0"/>
-                <a:ea typeface="標楷體" panose="03000509000000000000" pitchFamily="65" charset="-120"/>
-                <a:cs typeface="Calibri" panose="020F0502020204030204" pitchFamily="34" charset="0"/>
-              </a:rPr>
-              <a:t>國立海洋科技博物館</a:t>
-            </a:r>
-            <a:r>
-              <a:rPr lang="en-US" altLang="zh-TW" sz="1800" dirty="0">
-                <a:effectLst/>
-                <a:latin typeface="Calibri" panose="020F0502020204030204" pitchFamily="34" charset="0"/>
-                <a:ea typeface="標楷體" panose="03000509000000000000" pitchFamily="65" charset="-120"/>
-                <a:cs typeface="Calibri" panose="020F0502020204030204" pitchFamily="34" charset="0"/>
-              </a:rPr>
-              <a:t>(NMMST) </a:t>
-            </a:r>
-            <a:r>
-              <a:rPr lang="zh-TW" altLang="en-US" sz="1800" dirty="0">
-                <a:effectLst/>
-                <a:latin typeface="Calibri" panose="020F0502020204030204" pitchFamily="34" charset="0"/>
-                <a:ea typeface="標楷體" panose="03000509000000000000" pitchFamily="65" charset="-120"/>
-                <a:cs typeface="Calibri" panose="020F0502020204030204" pitchFamily="34" charset="0"/>
-              </a:rPr>
-              <a:t> 教育替代役</a:t>
-            </a:r>
-            <a:r>
-              <a:rPr lang="en-US" altLang="zh-TW" sz="1800" dirty="0">
-                <a:effectLst/>
-                <a:latin typeface="Calibri" panose="020F0502020204030204" pitchFamily="34" charset="0"/>
-                <a:ea typeface="標楷體" panose="03000509000000000000" pitchFamily="65" charset="-120"/>
-                <a:cs typeface="Calibri" panose="020F0502020204030204" pitchFamily="34" charset="0"/>
-              </a:rPr>
-              <a:t>			  	 	</a:t>
-            </a:r>
-            <a:r>
-              <a:rPr lang="zh-TW" altLang="en-US" sz="1800" dirty="0">
-                <a:effectLst/>
-                <a:latin typeface="Calibri" panose="020F0502020204030204" pitchFamily="34" charset="0"/>
-                <a:ea typeface="標楷體" panose="03000509000000000000" pitchFamily="65" charset="-120"/>
-                <a:cs typeface="Calibri" panose="020F0502020204030204" pitchFamily="34" charset="0"/>
-              </a:rPr>
-              <a:t>   </a:t>
-            </a:r>
-            <a:r>
-              <a:rPr lang="en-US" altLang="zh-TW" sz="1800" dirty="0">
-                <a:effectLst/>
-                <a:latin typeface="Calibri" panose="020F0502020204030204" pitchFamily="34" charset="0"/>
-                <a:ea typeface="標楷體" panose="03000509000000000000" pitchFamily="65" charset="-120"/>
-                <a:cs typeface="Calibri" panose="020F0502020204030204" pitchFamily="34" charset="0"/>
-              </a:rPr>
-              <a:t>2017/06  ~  2018/06</a:t>
             </a:r>
             <a:endParaRPr lang="en-US" altLang="zh-TW" sz="1800" kern="100" dirty="0">
               <a:effectLst/>
@@ -8053,7 +8107,7 @@
                 <a:ea typeface="標楷體" panose="03000509000000000000" pitchFamily="65" charset="-120"/>
                 <a:cs typeface="Calibri" panose="020F0502020204030204" pitchFamily="34" charset="0"/>
               </a:rPr>
-              <a:t>美國麻州大學波士頓分校 電腦科學系 碩士畢業</a:t>
+              <a:t>國立臺灣海洋大學 電機工程學系 學士畢業</a:t>
             </a:r>
             <a:r>
               <a:rPr lang="en-US" altLang="zh-TW" sz="1800" kern="100" dirty="0">
@@ -8062,7 +8116,7 @@
                 <a:ea typeface="標楷體" panose="03000509000000000000" pitchFamily="65" charset="-120"/>
                 <a:cs typeface="Calibri" panose="020F0502020204030204" pitchFamily="34" charset="0"/>
               </a:rPr>
-              <a:t>		 		</a:t>
+              <a:t>			 		</a:t>
             </a:r>
             <a:r>
               <a:rPr lang="zh-TW" altLang="en-US" sz="1800" kern="100" dirty="0">
@@ -8080,8 +8134,122 @@
                 <a:ea typeface="標楷體" panose="03000509000000000000" pitchFamily="65" charset="-120"/>
                 <a:cs typeface="Calibri" panose="020F0502020204030204" pitchFamily="34" charset="0"/>
               </a:rPr>
+              <a:t>2011/09  ~  2017/06</a:t>
+            </a:r>
+            <a:endParaRPr lang="en-US" altLang="zh-TW" sz="1800" kern="100" dirty="0">
+              <a:effectLst/>
+              <a:latin typeface="Calibri" panose="020F0502020204030204" pitchFamily="34" charset="0"/>
+              <a:ea typeface="標楷體" panose="03000509000000000000" pitchFamily="65" charset="-120"/>
+              <a:cs typeface="Calibri" panose="020F0502020204030204" pitchFamily="34" charset="0"/>
+            </a:endParaRPr>
+          </a:p>
+          <a:p>
+            <a:pPr algn="just"/>
+            <a:r>
+              <a:rPr lang="zh-TW" altLang="zh-TW" sz="1800" dirty="0">
+                <a:effectLst/>
+                <a:latin typeface="Calibri" panose="020F0502020204030204" pitchFamily="34" charset="0"/>
+                <a:ea typeface="標楷體" panose="03000509000000000000" pitchFamily="65" charset="-120"/>
+                <a:cs typeface="Calibri" panose="020F0502020204030204" pitchFamily="34" charset="0"/>
+              </a:rPr>
+              <a:t>國立海洋科技博物館</a:t>
+            </a:r>
+            <a:r>
+              <a:rPr lang="en-US" altLang="zh-TW" sz="1800" dirty="0">
+                <a:effectLst/>
+                <a:latin typeface="Calibri" panose="020F0502020204030204" pitchFamily="34" charset="0"/>
+                <a:ea typeface="標楷體" panose="03000509000000000000" pitchFamily="65" charset="-120"/>
+                <a:cs typeface="Calibri" panose="020F0502020204030204" pitchFamily="34" charset="0"/>
+              </a:rPr>
+              <a:t>(NMMST) </a:t>
+            </a:r>
+            <a:r>
+              <a:rPr lang="zh-TW" altLang="en-US" sz="1800" dirty="0">
+                <a:effectLst/>
+                <a:latin typeface="Calibri" panose="020F0502020204030204" pitchFamily="34" charset="0"/>
+                <a:ea typeface="標楷體" panose="03000509000000000000" pitchFamily="65" charset="-120"/>
+                <a:cs typeface="Calibri" panose="020F0502020204030204" pitchFamily="34" charset="0"/>
+              </a:rPr>
+              <a:t> 教育替代役</a:t>
+            </a:r>
+            <a:r>
+              <a:rPr lang="en-US" altLang="zh-TW" sz="1800" dirty="0">
+                <a:effectLst/>
+                <a:latin typeface="Calibri" panose="020F0502020204030204" pitchFamily="34" charset="0"/>
+                <a:ea typeface="標楷體" panose="03000509000000000000" pitchFamily="65" charset="-120"/>
+                <a:cs typeface="Calibri" panose="020F0502020204030204" pitchFamily="34" charset="0"/>
+              </a:rPr>
+              <a:t>			  	 	</a:t>
+            </a:r>
+            <a:r>
+              <a:rPr lang="zh-TW" altLang="en-US" sz="1800" dirty="0">
+                <a:effectLst/>
+                <a:latin typeface="Calibri" panose="020F0502020204030204" pitchFamily="34" charset="0"/>
+                <a:ea typeface="標楷體" panose="03000509000000000000" pitchFamily="65" charset="-120"/>
+                <a:cs typeface="Calibri" panose="020F0502020204030204" pitchFamily="34" charset="0"/>
+              </a:rPr>
+              <a:t>   </a:t>
+            </a:r>
+            <a:r>
+              <a:rPr lang="en-US" altLang="zh-TW" sz="1800" dirty="0">
+                <a:effectLst/>
+                <a:latin typeface="Calibri" panose="020F0502020204030204" pitchFamily="34" charset="0"/>
+                <a:ea typeface="標楷體" panose="03000509000000000000" pitchFamily="65" charset="-120"/>
+                <a:cs typeface="Calibri" panose="020F0502020204030204" pitchFamily="34" charset="0"/>
+              </a:rPr>
+              <a:t>2017/06  ~  2018/06</a:t>
+            </a:r>
+            <a:endParaRPr lang="en-US" altLang="zh-TW" sz="1800" kern="100" dirty="0">
+              <a:effectLst/>
+              <a:latin typeface="Calibri" panose="020F0502020204030204" pitchFamily="34" charset="0"/>
+              <a:ea typeface="標楷體" panose="03000509000000000000" pitchFamily="65" charset="-120"/>
+              <a:cs typeface="Calibri" panose="020F0502020204030204" pitchFamily="34" charset="0"/>
+            </a:endParaRPr>
+          </a:p>
+          <a:p>
+            <a:pPr algn="just"/>
+            <a:r>
+              <a:rPr lang="zh-TW" altLang="zh-TW" sz="1800" kern="100" dirty="0">
+                <a:effectLst/>
+                <a:latin typeface="Calibri" panose="020F0502020204030204" pitchFamily="34" charset="0"/>
+                <a:ea typeface="標楷體" panose="03000509000000000000" pitchFamily="65" charset="-120"/>
+                <a:cs typeface="Calibri" panose="020F0502020204030204" pitchFamily="34" charset="0"/>
+              </a:rPr>
+              <a:t>美國麻州大學波士頓分校 電腦科學系 碩士畢業</a:t>
+            </a:r>
+            <a:r>
+              <a:rPr lang="en-US" altLang="zh-TW" sz="1800" kern="100" dirty="0">
+                <a:effectLst/>
+                <a:latin typeface="Calibri" panose="020F0502020204030204" pitchFamily="34" charset="0"/>
+                <a:ea typeface="標楷體" panose="03000509000000000000" pitchFamily="65" charset="-120"/>
+                <a:cs typeface="Calibri" panose="020F0502020204030204" pitchFamily="34" charset="0"/>
+              </a:rPr>
+              <a:t>		 		</a:t>
+            </a:r>
+            <a:r>
+              <a:rPr lang="zh-TW" altLang="en-US" sz="1800" kern="100" dirty="0">
+                <a:effectLst/>
+                <a:latin typeface="Calibri" panose="020F0502020204030204" pitchFamily="34" charset="0"/>
+                <a:ea typeface="標楷體" panose="03000509000000000000" pitchFamily="65" charset="-120"/>
+                <a:cs typeface="Calibri" panose="020F0502020204030204" pitchFamily="34" charset="0"/>
+              </a:rPr>
+              <a:t>   </a:t>
+            </a:r>
+            <a:r>
+              <a:rPr lang="en-US" altLang="zh-TW" sz="1800" kern="100" dirty="0">
+                <a:effectLst/>
+                <a:latin typeface="Calibri" panose="020F0502020204030204" pitchFamily="34" charset="0"/>
+                <a:ea typeface="標楷體" panose="03000509000000000000" pitchFamily="65" charset="-120"/>
+                <a:cs typeface="Calibri" panose="020F0502020204030204" pitchFamily="34" charset="0"/>
+              </a:rPr>
               <a:t>2019/09  ~  2021/06</a:t>
             </a:r>
+            <a:endParaRPr lang="en-US" altLang="zh-TW" sz="1800" kern="100" dirty="0">
+              <a:effectLst/>
+              <a:latin typeface="Calibri" panose="020F0502020204030204" pitchFamily="34" charset="0"/>
+              <a:ea typeface="標楷體" panose="03000509000000000000" pitchFamily="65" charset="-120"/>
+              <a:cs typeface="Calibri" panose="020F0502020204030204" pitchFamily="34" charset="0"/>
+            </a:endParaRPr>
           </a:p>
           <a:p>
             <a:pPr algn="just"/>
@@ -8250,6 +8418,11 @@
               </a:rPr>
               <a:t>  </a:t>
             </a:r>
+            <a:endParaRPr lang="zh-TW" altLang="en-US" sz="1800" dirty="0">
+              <a:latin typeface="Calibri" panose="020F0502020204030204" pitchFamily="34" charset="0"/>
+              <a:ea typeface="標楷體" panose="03000509000000000000" pitchFamily="65" charset="-120"/>
+              <a:cs typeface="Calibri" panose="020F0502020204030204" pitchFamily="34" charset="0"/>
+            </a:endParaRPr>
           </a:p>
           <a:p>
             <a:pPr marL="0" indent="0">
@@ -8353,6 +8526,12 @@
               </a:rPr>
               <a:t>-&gt; Canvas Base library)</a:t>
             </a:r>
+            <a:endParaRPr lang="en-US" altLang="zh-TW" sz="1800" dirty="0">
+              <a:latin typeface="Calibri" panose="020F0502020204030204" pitchFamily="34" charset="0"/>
+              <a:ea typeface="標楷體" panose="03000509000000000000" pitchFamily="65" charset="-120"/>
+              <a:cs typeface="Calibri" panose="020F0502020204030204" pitchFamily="34" charset="0"/>
+              <a:sym typeface="+mn-ea"/>
+            </a:endParaRPr>
           </a:p>
           <a:p>
             <a:pPr marL="0" indent="0">
@@ -8484,18 +8663,17 @@
               </a:rPr>
               <a:t>休閒興趣</a:t>
             </a:r>
+            <a:endParaRPr lang="zh-TW" altLang="en-US" dirty="0">
+              <a:latin typeface="標楷體" panose="03000509000000000000" pitchFamily="65" charset="-120"/>
+              <a:ea typeface="標楷體" panose="03000509000000000000" pitchFamily="65" charset="-120"/>
+              <a:cs typeface="Calibri" panose="020F0502020204030204" pitchFamily="34" charset="0"/>
+            </a:endParaRPr>
           </a:p>
         </p:txBody>
       </p:sp>
       <p:pic>
         <p:nvPicPr>
-          <p:cNvPr id="5" name="內容版面配置區 4" descr="一張含有 文字, 男人, 短褲, 肌肉 的圖片&#10;&#10;AI 產生的內容可能不正確。">
-            <a:extLst>
-              <a:ext uri="{FF2B5EF4-FFF2-40B4-BE49-F238E27FC236}">
-                <a16:creationId xmlns:a16="http://schemas.microsoft.com/office/drawing/2014/main" id="{FDB55E9B-25C3-855B-6192-DABB1B8C6F65}"/>
-              </a:ext>
-            </a:extLst>
-          </p:cNvPr>
+          <p:cNvPr id="5" name="內容版面配置區 4" descr="一張含有 文字, 男人, 短褲, 肌肉 的圖片&#10;&#10;AI 產生的內容可能不正確。"/>
           <p:cNvPicPr>
             <a:picLocks noGrp="1" noChangeAspect="1"/>
           </p:cNvPicPr>
@@ -8504,7 +8682,7 @@
           </p:nvPr>
         </p:nvPicPr>
         <p:blipFill>
-          <a:blip r:embed="rId2">
+          <a:blip r:embed="rId1">
             <a:extLst>
               <a:ext uri="{28A0092B-C50C-407E-A947-70E740481C1C}">
                 <a14:useLocalDpi xmlns:a14="http://schemas.microsoft.com/office/drawing/2010/main" val="0"/>
@@ -8524,20 +8702,14 @@
       </p:pic>
       <p:pic>
         <p:nvPicPr>
-          <p:cNvPr id="7" name="圖片 6" descr="一張含有 人員, 肌肉, 胸部, 胃 的圖片">
-            <a:extLst>
-              <a:ext uri="{FF2B5EF4-FFF2-40B4-BE49-F238E27FC236}">
-                <a16:creationId xmlns:a16="http://schemas.microsoft.com/office/drawing/2014/main" id="{26CDBF4A-D3EC-D5E9-283E-6D859673D732}"/>
-              </a:ext>
-            </a:extLst>
-          </p:cNvPr>
+          <p:cNvPr id="7" name="圖片 6" descr="一張含有 人員, 肌肉, 胸部, 胃 的圖片"/>
           <p:cNvPicPr>
             <a:picLocks noChangeAspect="1"/>
           </p:cNvPicPr>
           <p:nvPr/>
         </p:nvPicPr>
         <p:blipFill>
-          <a:blip r:embed="rId3">
+          <a:blip r:embed="rId2">
             <a:extLst>
               <a:ext uri="{28A0092B-C50C-407E-A947-70E740481C1C}">
                 <a14:useLocalDpi xmlns:a14="http://schemas.microsoft.com/office/drawing/2010/main" val="0"/>
@@ -8653,8 +8825,15 @@
                 <a:ea typeface="標楷體" panose="03000509000000000000" pitchFamily="65" charset="-120"/>
                 <a:cs typeface="Calibri" panose="020F0502020204030204" pitchFamily="34" charset="0"/>
               </a:rPr>
-              <a:t> 希望能夠寫出更多好用的前端頁面，與同仁互相分享開發經驗，以及持續跟上現在開發環境的潮流，不斷提升自己的能力。</a:t>
-            </a:r>
+              <a:t>  對於團隊程式開發給予自身經驗以及相關知識，與同仁交換分享前端開發的技術，並希望能夠參與規劃前端開發的架構規。</a:t>
+            </a:r>
+            <a:endParaRPr lang="zh-TW" altLang="en-US" sz="1800" dirty="0">
+              <a:latin typeface="Calibri" panose="020F0502020204030204" pitchFamily="34" charset="0"/>
+              <a:ea typeface="標楷體" panose="03000509000000000000" pitchFamily="65" charset="-120"/>
+              <a:cs typeface="Calibri" panose="020F0502020204030204" pitchFamily="34" charset="0"/>
+            </a:endParaRPr>
+          </a:p>
+          <a:p>
             <a:endParaRPr lang="en-US" altLang="zh-TW" sz="1800" dirty="0">
               <a:latin typeface="Calibri" panose="020F0502020204030204" pitchFamily="34" charset="0"/>
               <a:ea typeface="標楷體" panose="03000509000000000000" pitchFamily="65" charset="-120"/>
@@ -8668,7 +8847,7 @@
                 <a:ea typeface="標楷體" panose="03000509000000000000" pitchFamily="65" charset="-120"/>
                 <a:cs typeface="Calibri" panose="020F0502020204030204" pitchFamily="34" charset="0"/>
               </a:rPr>
-              <a:t>中期目標</a:t>
+              <a:t>長期目標</a:t>
             </a:r>
             <a:r>
               <a:rPr lang="en-US" altLang="zh-TW" sz="1800" dirty="0">
@@ -8684,9 +8863,9 @@
                 <a:ea typeface="標楷體" panose="03000509000000000000" pitchFamily="65" charset="-120"/>
                 <a:cs typeface="Calibri" panose="020F0502020204030204" pitchFamily="34" charset="0"/>
               </a:rPr>
-              <a:t> 能夠設計出各方面的俱全的網頁架構，協助同仁加速開發流程。</a:t>
-            </a:r>
-            <a:endParaRPr lang="en-US" altLang="zh-TW" sz="1800" dirty="0">
+              <a:t>  希望能夠將前端開發應該要符合的架構擴及整個公司，協助公司同仁在產品上線前</a:t>
+            </a:r>
+            <a:endParaRPr lang="zh-TW" altLang="en-US" sz="1800" dirty="0">
               <a:latin typeface="Calibri" panose="020F0502020204030204" pitchFamily="34" charset="0"/>
               <a:ea typeface="標楷體" panose="03000509000000000000" pitchFamily="65" charset="-120"/>
               <a:cs typeface="Calibri" panose="020F0502020204030204" pitchFamily="34" charset="0"/>
@@ -8699,24 +8878,13 @@
                 <a:ea typeface="標楷體" panose="03000509000000000000" pitchFamily="65" charset="-120"/>
                 <a:cs typeface="Calibri" panose="020F0502020204030204" pitchFamily="34" charset="0"/>
               </a:rPr>
-              <a:t>長期目標</a:t>
-            </a:r>
-            <a:r>
-              <a:rPr lang="en-US" altLang="zh-TW" sz="1800" dirty="0">
-                <a:latin typeface="Calibri" panose="020F0502020204030204" pitchFamily="34" charset="0"/>
-                <a:ea typeface="標楷體" panose="03000509000000000000" pitchFamily="65" charset="-120"/>
-                <a:cs typeface="Calibri" panose="020F0502020204030204" pitchFamily="34" charset="0"/>
-              </a:rPr>
-              <a:t>:</a:t>
-            </a:r>
-            <a:r>
-              <a:rPr lang="zh-TW" altLang="en-US" sz="1800" dirty="0">
-                <a:latin typeface="Calibri" panose="020F0502020204030204" pitchFamily="34" charset="0"/>
-                <a:ea typeface="標楷體" panose="03000509000000000000" pitchFamily="65" charset="-120"/>
-                <a:cs typeface="Calibri" panose="020F0502020204030204" pitchFamily="34" charset="0"/>
-              </a:rPr>
-              <a:t> 開發出代表品牌形象的網頁。</a:t>
-            </a:r>
+              <a:t>能夠在使用者這一塊做好需求，避免因使用者體驗不好而影響到產品產出。</a:t>
+            </a:r>
+            <a:endParaRPr lang="zh-TW" altLang="en-US" sz="1800" dirty="0">
+              <a:latin typeface="Calibri" panose="020F0502020204030204" pitchFamily="34" charset="0"/>
+              <a:ea typeface="標楷體" panose="03000509000000000000" pitchFamily="65" charset="-120"/>
+              <a:cs typeface="Calibri" panose="020F0502020204030204" pitchFamily="34" charset="0"/>
+            </a:endParaRPr>
           </a:p>
         </p:txBody>
       </p:sp>
@@ -8768,6 +8936,10 @@
               </a:rPr>
               <a:t>研究所專題</a:t>
             </a:r>
+            <a:endParaRPr lang="zh-TW" altLang="en-US" dirty="0">
+              <a:latin typeface="標楷體" panose="03000509000000000000" pitchFamily="65" charset="-120"/>
+              <a:ea typeface="標楷體" panose="03000509000000000000" pitchFamily="65" charset="-120"/>
+            </a:endParaRPr>
           </a:p>
         </p:txBody>
       </p:sp>
@@ -9092,6 +9264,11 @@
               </a:rPr>
               <a:t>Google Map API</a:t>
             </a:r>
+            <a:endParaRPr lang="en-US" altLang="zh-TW" sz="1800" dirty="0">
+              <a:latin typeface="Calibri" panose="020F0502020204030204" pitchFamily="34" charset="0"/>
+              <a:ea typeface="Calibri" panose="020F0502020204030204" pitchFamily="34" charset="0"/>
+              <a:cs typeface="Calibri" panose="020F0502020204030204" pitchFamily="34" charset="0"/>
+            </a:endParaRPr>
           </a:p>
           <a:p>
             <a:r>
@@ -9145,7 +9322,7 @@
           </p:nvPr>
         </p:nvPicPr>
         <p:blipFill>
-          <a:blip r:embed="rId2"/>
+          <a:blip r:embed="rId1"/>
           <a:stretch>
             <a:fillRect/>
           </a:stretch>
@@ -9205,6 +9382,10 @@
               </a:rPr>
               <a:t>第一份工作</a:t>
             </a:r>
+            <a:endParaRPr lang="zh-TW" altLang="en-US" dirty="0">
+              <a:latin typeface="標楷體" panose="03000509000000000000" pitchFamily="65" charset="-120"/>
+              <a:ea typeface="標楷體" panose="03000509000000000000" pitchFamily="65" charset="-120"/>
+            </a:endParaRPr>
           </a:p>
         </p:txBody>
       </p:sp>
@@ -9814,6 +9995,11 @@
               </a:rPr>
               <a:t>分析。</a:t>
             </a:r>
+            <a:endParaRPr lang="zh-TW" altLang="en-US" sz="2000" dirty="0">
+              <a:latin typeface="Calibri" panose="020F0502020204030204" pitchFamily="34" charset="0"/>
+              <a:ea typeface="標楷體" panose="03000509000000000000" pitchFamily="65" charset="-120"/>
+              <a:cs typeface="Calibri" panose="020F0502020204030204" pitchFamily="34" charset="0"/>
+            </a:endParaRPr>
           </a:p>
           <a:p>
             <a:r>
@@ -10114,6 +10300,11 @@
               </a:rPr>
               <a:t>(SCSS, BEM)</a:t>
             </a:r>
+            <a:endParaRPr lang="en-US" altLang="zh-TW" sz="2000" dirty="0">
+              <a:latin typeface="Calibri" panose="020F0502020204030204" pitchFamily="34" charset="0"/>
+              <a:ea typeface="標楷體" panose="03000509000000000000" pitchFamily="65" charset="-120"/>
+              <a:cs typeface="Calibri" panose="020F0502020204030204" pitchFamily="34" charset="0"/>
+            </a:endParaRPr>
           </a:p>
           <a:p>
             <a:r>
@@ -10156,6 +10347,11 @@
               </a:rPr>
               <a:t> , MariaDB, MongoDB</a:t>
             </a:r>
+            <a:endParaRPr lang="en-US" altLang="zh-TW" sz="2000" dirty="0">
+              <a:latin typeface="Calibri" panose="020F0502020204030204" pitchFamily="34" charset="0"/>
+              <a:ea typeface="標楷體" panose="03000509000000000000" pitchFamily="65" charset="-120"/>
+              <a:cs typeface="Calibri" panose="020F0502020204030204" pitchFamily="34" charset="0"/>
+            </a:endParaRPr>
           </a:p>
           <a:p>
             <a:r>
@@ -10190,6 +10386,11 @@
               </a:rPr>
               <a:t>Webpack 5</a:t>
             </a:r>
+            <a:endParaRPr lang="en-US" altLang="zh-TW" sz="2000" dirty="0">
+              <a:latin typeface="Calibri" panose="020F0502020204030204" pitchFamily="34" charset="0"/>
+              <a:ea typeface="標楷體" panose="03000509000000000000" pitchFamily="65" charset="-120"/>
+              <a:cs typeface="Calibri" panose="020F0502020204030204" pitchFamily="34" charset="0"/>
+            </a:endParaRPr>
           </a:p>
           <a:p>
             <a:r>
@@ -10224,6 +10425,11 @@
               </a:rPr>
               <a:t>NGINX</a:t>
             </a:r>
+            <a:endParaRPr lang="en-US" altLang="zh-TW" sz="2000" dirty="0">
+              <a:latin typeface="Calibri" panose="020F0502020204030204" pitchFamily="34" charset="0"/>
+              <a:ea typeface="標楷體" panose="03000509000000000000" pitchFamily="65" charset="-120"/>
+              <a:cs typeface="Calibri" panose="020F0502020204030204" pitchFamily="34" charset="0"/>
+            </a:endParaRPr>
           </a:p>
           <a:p>
             <a:r>
@@ -10258,6 +10464,11 @@
               </a:rPr>
               <a:t>NodeJS (Express)</a:t>
             </a:r>
+            <a:endParaRPr lang="en-US" altLang="zh-TW" sz="2000" dirty="0">
+              <a:latin typeface="Calibri" panose="020F0502020204030204" pitchFamily="34" charset="0"/>
+              <a:ea typeface="標楷體" panose="03000509000000000000" pitchFamily="65" charset="-120"/>
+              <a:cs typeface="Calibri" panose="020F0502020204030204" pitchFamily="34" charset="0"/>
+            </a:endParaRPr>
           </a:p>
           <a:p>
             <a:r>
@@ -10418,7 +10629,7 @@
           <p:nvPr/>
         </p:nvPicPr>
         <p:blipFill>
-          <a:blip r:embed="rId2"/>
+          <a:blip r:embed="rId1"/>
           <a:stretch>
             <a:fillRect/>
           </a:stretch>
@@ -10536,7 +10747,7 @@
           <p:nvPr/>
         </p:nvPicPr>
         <p:blipFill>
-          <a:blip r:embed="rId2"/>
+          <a:blip r:embed="rId1"/>
           <a:stretch>
             <a:fillRect/>
           </a:stretch>
@@ -10656,7 +10867,7 @@
           <p:nvPr/>
         </p:nvPicPr>
         <p:blipFill>
-          <a:blip r:embed="rId2"/>
+          <a:blip r:embed="rId1"/>
           <a:stretch>
             <a:fillRect/>
           </a:stretch>
@@ -10774,7 +10985,7 @@
           <p:nvPr/>
         </p:nvPicPr>
         <p:blipFill>
-          <a:blip r:embed="rId2"/>
+          <a:blip r:embed="rId1"/>
           <a:stretch>
             <a:fillRect/>
           </a:stretch>
@@ -11069,7 +11280,6 @@
       </a:style>
     </a:lnDef>
   </a:objectDefaults>
-  <a:extraClrSchemeLst/>
   <a:extLst>
     <a:ext uri="{05A4C25C-085E-4340-85A3-A5531E510DB2}">
       <thm15:themeFamily xmlns:thm15="http://schemas.microsoft.com/office/thememl/2012/main" name="Office Theme" id="{62F939B6-93AF-4DB8-9C6B-D6C7DFDC589F}" vid="{4A3C46E8-61CC-4603-A589-7422A47A8E4A}"/>
@@ -11350,7 +11560,6 @@
       </a:style>
     </a:lnDef>
   </a:objectDefaults>
-  <a:extraClrSchemeLst/>
   <a:extLst>
     <a:ext uri="{05A4C25C-085E-4340-85A3-A5531E510DB2}">
       <thm15:themeFamily xmlns:thm15="http://schemas.microsoft.com/office/thememl/2012/main" name="Office Theme" id="{62F939B6-93AF-4DB8-9C6B-D6C7DFDC589F}" vid="{4A3C46E8-61CC-4603-A589-7422A47A8E4A}"/>
